--- a/kubernetes.pptx
+++ b/kubernetes.pptx
@@ -5,7 +5,7 @@
     <p:sldMasterId id="2147483648" r:id="rId1"/>
   </p:sldMasterIdLst>
   <p:notesMasterIdLst>
-    <p:notesMasterId r:id="rId23"/>
+    <p:notesMasterId r:id="rId24"/>
   </p:notesMasterIdLst>
   <p:sldIdLst>
     <p:sldId id="256" r:id="rId2"/>
@@ -25,10 +25,11 @@
     <p:sldId id="322" r:id="rId16"/>
     <p:sldId id="328" r:id="rId17"/>
     <p:sldId id="315" r:id="rId18"/>
-    <p:sldId id="326" r:id="rId19"/>
-    <p:sldId id="327" r:id="rId20"/>
-    <p:sldId id="304" r:id="rId21"/>
-    <p:sldId id="325" r:id="rId22"/>
+    <p:sldId id="329" r:id="rId19"/>
+    <p:sldId id="326" r:id="rId20"/>
+    <p:sldId id="327" r:id="rId21"/>
+    <p:sldId id="304" r:id="rId22"/>
+    <p:sldId id="325" r:id="rId23"/>
   </p:sldIdLst>
   <p:sldSz cx="12192000" cy="6858000"/>
   <p:notesSz cx="6858000" cy="9144000"/>
@@ -138,9 +139,260 @@
 <file path=ppt/revisionInfo.xml><?xml version="1.0" encoding="utf-8"?>
 <p1510:revInfo xmlns:a="http://schemas.openxmlformats.org/drawingml/2006/main" xmlns:r="http://schemas.openxmlformats.org/officeDocument/2006/relationships" xmlns:p1510="http://schemas.microsoft.com/office/powerpoint/2015/10/main">
   <p1510:revLst>
-    <p1510:client id="{157AB410-3C49-4540-8E1D-3522025D1E47}" v="132" dt="2022-12-05T08:03:54.985"/>
+    <p1510:client id="{4FC40F47-DE0B-42CC-8DB6-F6DEBBE4F6BB}" v="2" dt="2022-12-05T09:33:49.499"/>
   </p1510:revLst>
 </p1510:revInfo>
+</file>
+
+<file path=ppt/changesInfos/changesInfo1.xml><?xml version="1.0" encoding="utf-8"?>
+<pc:chgInfo xmlns:a="http://schemas.openxmlformats.org/drawingml/2006/main" xmlns:r="http://schemas.openxmlformats.org/officeDocument/2006/relationships" xmlns:ac="http://schemas.microsoft.com/office/drawing/2013/main/command" xmlns:pc="http://schemas.microsoft.com/office/powerpoint/2013/main/command">
+  <pc:docChgLst>
+    <pc:chgData name="Stefano Castagnoli" userId="b5b1c50746fa2fa2" providerId="LiveId" clId="{4FC40F47-DE0B-42CC-8DB6-F6DEBBE4F6BB}"/>
+    <pc:docChg chg="undo custSel addSld modSld">
+      <pc:chgData name="Stefano Castagnoli" userId="b5b1c50746fa2fa2" providerId="LiveId" clId="{4FC40F47-DE0B-42CC-8DB6-F6DEBBE4F6BB}" dt="2022-12-05T09:35:11.675" v="480" actId="20577"/>
+      <pc:docMkLst>
+        <pc:docMk/>
+      </pc:docMkLst>
+      <pc:sldChg chg="modSp mod">
+        <pc:chgData name="Stefano Castagnoli" userId="b5b1c50746fa2fa2" providerId="LiveId" clId="{4FC40F47-DE0B-42CC-8DB6-F6DEBBE4F6BB}" dt="2022-12-05T08:34:01.656" v="110" actId="20577"/>
+        <pc:sldMkLst>
+          <pc:docMk/>
+          <pc:sldMk cId="2908198579" sldId="302"/>
+        </pc:sldMkLst>
+        <pc:spChg chg="mod">
+          <ac:chgData name="Stefano Castagnoli" userId="b5b1c50746fa2fa2" providerId="LiveId" clId="{4FC40F47-DE0B-42CC-8DB6-F6DEBBE4F6BB}" dt="2022-12-05T08:34:01.656" v="110" actId="20577"/>
+          <ac:spMkLst>
+            <pc:docMk/>
+            <pc:sldMk cId="2908198579" sldId="302"/>
+            <ac:spMk id="8" creationId="{FBA08ED7-D839-C2FB-7578-72CCAD406CBD}"/>
+          </ac:spMkLst>
+        </pc:spChg>
+      </pc:sldChg>
+      <pc:sldChg chg="modSp mod">
+        <pc:chgData name="Stefano Castagnoli" userId="b5b1c50746fa2fa2" providerId="LiveId" clId="{4FC40F47-DE0B-42CC-8DB6-F6DEBBE4F6BB}" dt="2022-12-05T08:47:34.643" v="111" actId="20577"/>
+        <pc:sldMkLst>
+          <pc:docMk/>
+          <pc:sldMk cId="3104712215" sldId="308"/>
+        </pc:sldMkLst>
+        <pc:spChg chg="mod">
+          <ac:chgData name="Stefano Castagnoli" userId="b5b1c50746fa2fa2" providerId="LiveId" clId="{4FC40F47-DE0B-42CC-8DB6-F6DEBBE4F6BB}" dt="2022-12-05T08:47:34.643" v="111" actId="20577"/>
+          <ac:spMkLst>
+            <pc:docMk/>
+            <pc:sldMk cId="3104712215" sldId="308"/>
+            <ac:spMk id="3" creationId="{C7408FE9-6DD8-E318-3133-5E9030520C3E}"/>
+          </ac:spMkLst>
+        </pc:spChg>
+      </pc:sldChg>
+      <pc:sldChg chg="modSp mod">
+        <pc:chgData name="Stefano Castagnoli" userId="b5b1c50746fa2fa2" providerId="LiveId" clId="{4FC40F47-DE0B-42CC-8DB6-F6DEBBE4F6BB}" dt="2022-12-05T09:25:22.430" v="131" actId="14100"/>
+        <pc:sldMkLst>
+          <pc:docMk/>
+          <pc:sldMk cId="3278287873" sldId="312"/>
+        </pc:sldMkLst>
+        <pc:spChg chg="mod">
+          <ac:chgData name="Stefano Castagnoli" userId="b5b1c50746fa2fa2" providerId="LiveId" clId="{4FC40F47-DE0B-42CC-8DB6-F6DEBBE4F6BB}" dt="2022-12-05T09:25:22.430" v="131" actId="14100"/>
+          <ac:spMkLst>
+            <pc:docMk/>
+            <pc:sldMk cId="3278287873" sldId="312"/>
+            <ac:spMk id="2" creationId="{69496913-E27E-0E18-C61E-96660AFB142B}"/>
+          </ac:spMkLst>
+        </pc:spChg>
+      </pc:sldChg>
+      <pc:sldChg chg="addSp delSp modSp mod">
+        <pc:chgData name="Stefano Castagnoli" userId="b5b1c50746fa2fa2" providerId="LiveId" clId="{4FC40F47-DE0B-42CC-8DB6-F6DEBBE4F6BB}" dt="2022-12-05T09:35:11.675" v="480" actId="20577"/>
+        <pc:sldMkLst>
+          <pc:docMk/>
+          <pc:sldMk cId="2105402015" sldId="315"/>
+        </pc:sldMkLst>
+        <pc:spChg chg="mod">
+          <ac:chgData name="Stefano Castagnoli" userId="b5b1c50746fa2fa2" providerId="LiveId" clId="{4FC40F47-DE0B-42CC-8DB6-F6DEBBE4F6BB}" dt="2022-12-05T09:32:50.621" v="134" actId="20577"/>
+          <ac:spMkLst>
+            <pc:docMk/>
+            <pc:sldMk cId="2105402015" sldId="315"/>
+            <ac:spMk id="2" creationId="{69496913-E27E-0E18-C61E-96660AFB142B}"/>
+          </ac:spMkLst>
+        </pc:spChg>
+        <pc:spChg chg="add mod">
+          <ac:chgData name="Stefano Castagnoli" userId="b5b1c50746fa2fa2" providerId="LiveId" clId="{4FC40F47-DE0B-42CC-8DB6-F6DEBBE4F6BB}" dt="2022-12-05T09:35:11.675" v="480" actId="20577"/>
+          <ac:spMkLst>
+            <pc:docMk/>
+            <pc:sldMk cId="2105402015" sldId="315"/>
+            <ac:spMk id="3" creationId="{2A6157E2-3EC5-4E2B-4C13-D11C0FDF8933}"/>
+          </ac:spMkLst>
+        </pc:spChg>
+        <pc:spChg chg="del mod">
+          <ac:chgData name="Stefano Castagnoli" userId="b5b1c50746fa2fa2" providerId="LiveId" clId="{4FC40F47-DE0B-42CC-8DB6-F6DEBBE4F6BB}" dt="2022-12-05T09:33:15.469" v="144"/>
+          <ac:spMkLst>
+            <pc:docMk/>
+            <pc:sldMk cId="2105402015" sldId="315"/>
+            <ac:spMk id="6" creationId="{3E5C30E1-47BA-24AD-7CEB-B2751A0AC5F9}"/>
+          </ac:spMkLst>
+        </pc:spChg>
+        <pc:picChg chg="del">
+          <ac:chgData name="Stefano Castagnoli" userId="b5b1c50746fa2fa2" providerId="LiveId" clId="{4FC40F47-DE0B-42CC-8DB6-F6DEBBE4F6BB}" dt="2022-12-05T09:33:15.468" v="142" actId="478"/>
+          <ac:picMkLst>
+            <pc:docMk/>
+            <pc:sldMk cId="2105402015" sldId="315"/>
+            <ac:picMk id="12" creationId="{2C854A4E-2809-580E-AE62-208A50CCF264}"/>
+          </ac:picMkLst>
+        </pc:picChg>
+        <pc:picChg chg="del">
+          <ac:chgData name="Stefano Castagnoli" userId="b5b1c50746fa2fa2" providerId="LiveId" clId="{4FC40F47-DE0B-42CC-8DB6-F6DEBBE4F6BB}" dt="2022-12-05T09:33:15.468" v="142" actId="478"/>
+          <ac:picMkLst>
+            <pc:docMk/>
+            <pc:sldMk cId="2105402015" sldId="315"/>
+            <ac:picMk id="14" creationId="{2B25FB1E-F1BD-78F7-41EF-43502EB95079}"/>
+          </ac:picMkLst>
+        </pc:picChg>
+        <pc:picChg chg="del">
+          <ac:chgData name="Stefano Castagnoli" userId="b5b1c50746fa2fa2" providerId="LiveId" clId="{4FC40F47-DE0B-42CC-8DB6-F6DEBBE4F6BB}" dt="2022-12-05T09:33:15.468" v="142" actId="478"/>
+          <ac:picMkLst>
+            <pc:docMk/>
+            <pc:sldMk cId="2105402015" sldId="315"/>
+            <ac:picMk id="16" creationId="{C61CB52E-A7B2-D8ED-98E1-F98E60E2C71C}"/>
+          </ac:picMkLst>
+        </pc:picChg>
+        <pc:picChg chg="del">
+          <ac:chgData name="Stefano Castagnoli" userId="b5b1c50746fa2fa2" providerId="LiveId" clId="{4FC40F47-DE0B-42CC-8DB6-F6DEBBE4F6BB}" dt="2022-12-05T09:33:17.388" v="145" actId="478"/>
+          <ac:picMkLst>
+            <pc:docMk/>
+            <pc:sldMk cId="2105402015" sldId="315"/>
+            <ac:picMk id="19" creationId="{52330F60-F0C5-000A-38E9-33E93C6D3977}"/>
+          </ac:picMkLst>
+        </pc:picChg>
+        <pc:picChg chg="del">
+          <ac:chgData name="Stefano Castagnoli" userId="b5b1c50746fa2fa2" providerId="LiveId" clId="{4FC40F47-DE0B-42CC-8DB6-F6DEBBE4F6BB}" dt="2022-12-05T09:33:17.388" v="145" actId="478"/>
+          <ac:picMkLst>
+            <pc:docMk/>
+            <pc:sldMk cId="2105402015" sldId="315"/>
+            <ac:picMk id="21" creationId="{7166CE40-8A1B-BD39-8C7F-9C947504B87A}"/>
+          </ac:picMkLst>
+        </pc:picChg>
+      </pc:sldChg>
+      <pc:sldChg chg="addSp delSp mod">
+        <pc:chgData name="Stefano Castagnoli" userId="b5b1c50746fa2fa2" providerId="LiveId" clId="{4FC40F47-DE0B-42CC-8DB6-F6DEBBE4F6BB}" dt="2022-12-05T09:07:47.899" v="113" actId="478"/>
+        <pc:sldMkLst>
+          <pc:docMk/>
+          <pc:sldMk cId="4042479488" sldId="318"/>
+        </pc:sldMkLst>
+        <pc:spChg chg="add del">
+          <ac:chgData name="Stefano Castagnoli" userId="b5b1c50746fa2fa2" providerId="LiveId" clId="{4FC40F47-DE0B-42CC-8DB6-F6DEBBE4F6BB}" dt="2022-12-05T09:07:47.899" v="113" actId="478"/>
+          <ac:spMkLst>
+            <pc:docMk/>
+            <pc:sldMk cId="4042479488" sldId="318"/>
+            <ac:spMk id="38" creationId="{1AA7C6AB-999D-DEA7-4338-CF4245F410C7}"/>
+          </ac:spMkLst>
+        </pc:spChg>
+      </pc:sldChg>
+      <pc:sldChg chg="modSp mod">
+        <pc:chgData name="Stefano Castagnoli" userId="b5b1c50746fa2fa2" providerId="LiveId" clId="{4FC40F47-DE0B-42CC-8DB6-F6DEBBE4F6BB}" dt="2022-12-05T09:15:05.328" v="114" actId="14100"/>
+        <pc:sldMkLst>
+          <pc:docMk/>
+          <pc:sldMk cId="2882336475" sldId="319"/>
+        </pc:sldMkLst>
+        <pc:spChg chg="mod">
+          <ac:chgData name="Stefano Castagnoli" userId="b5b1c50746fa2fa2" providerId="LiveId" clId="{4FC40F47-DE0B-42CC-8DB6-F6DEBBE4F6BB}" dt="2022-12-05T09:15:05.328" v="114" actId="14100"/>
+          <ac:spMkLst>
+            <pc:docMk/>
+            <pc:sldMk cId="2882336475" sldId="319"/>
+            <ac:spMk id="52" creationId="{B7DE8ECF-5790-4E39-787D-738F75E422DB}"/>
+          </ac:spMkLst>
+        </pc:spChg>
+      </pc:sldChg>
+      <pc:sldChg chg="modSp mod">
+        <pc:chgData name="Stefano Castagnoli" userId="b5b1c50746fa2fa2" providerId="LiveId" clId="{4FC40F47-DE0B-42CC-8DB6-F6DEBBE4F6BB}" dt="2022-12-05T09:17:23.102" v="125" actId="20577"/>
+        <pc:sldMkLst>
+          <pc:docMk/>
+          <pc:sldMk cId="4194849615" sldId="321"/>
+        </pc:sldMkLst>
+        <pc:spChg chg="mod">
+          <ac:chgData name="Stefano Castagnoli" userId="b5b1c50746fa2fa2" providerId="LiveId" clId="{4FC40F47-DE0B-42CC-8DB6-F6DEBBE4F6BB}" dt="2022-12-05T09:17:23.102" v="125" actId="20577"/>
+          <ac:spMkLst>
+            <pc:docMk/>
+            <pc:sldMk cId="4194849615" sldId="321"/>
+            <ac:spMk id="34" creationId="{B1CFFAE3-E046-2CC8-61E5-0E6226A53700}"/>
+          </ac:spMkLst>
+        </pc:spChg>
+      </pc:sldChg>
+      <pc:sldChg chg="modSp mod">
+        <pc:chgData name="Stefano Castagnoli" userId="b5b1c50746fa2fa2" providerId="LiveId" clId="{4FC40F47-DE0B-42CC-8DB6-F6DEBBE4F6BB}" dt="2022-12-05T09:33:02.973" v="138" actId="20577"/>
+        <pc:sldMkLst>
+          <pc:docMk/>
+          <pc:sldMk cId="3690179719" sldId="326"/>
+        </pc:sldMkLst>
+        <pc:spChg chg="mod">
+          <ac:chgData name="Stefano Castagnoli" userId="b5b1c50746fa2fa2" providerId="LiveId" clId="{4FC40F47-DE0B-42CC-8DB6-F6DEBBE4F6BB}" dt="2022-12-05T09:33:02.973" v="138" actId="20577"/>
+          <ac:spMkLst>
+            <pc:docMk/>
+            <pc:sldMk cId="3690179719" sldId="326"/>
+            <ac:spMk id="2" creationId="{69496913-E27E-0E18-C61E-96660AFB142B}"/>
+          </ac:spMkLst>
+        </pc:spChg>
+      </pc:sldChg>
+      <pc:sldChg chg="modSp mod">
+        <pc:chgData name="Stefano Castagnoli" userId="b5b1c50746fa2fa2" providerId="LiveId" clId="{4FC40F47-DE0B-42CC-8DB6-F6DEBBE4F6BB}" dt="2022-12-05T09:33:07.010" v="140" actId="20577"/>
+        <pc:sldMkLst>
+          <pc:docMk/>
+          <pc:sldMk cId="2811332597" sldId="327"/>
+        </pc:sldMkLst>
+        <pc:spChg chg="mod">
+          <ac:chgData name="Stefano Castagnoli" userId="b5b1c50746fa2fa2" providerId="LiveId" clId="{4FC40F47-DE0B-42CC-8DB6-F6DEBBE4F6BB}" dt="2022-12-05T09:33:07.010" v="140" actId="20577"/>
+          <ac:spMkLst>
+            <pc:docMk/>
+            <pc:sldMk cId="2811332597" sldId="327"/>
+            <ac:spMk id="2" creationId="{69496913-E27E-0E18-C61E-96660AFB142B}"/>
+          </ac:spMkLst>
+        </pc:spChg>
+      </pc:sldChg>
+      <pc:sldChg chg="modSp mod">
+        <pc:chgData name="Stefano Castagnoli" userId="b5b1c50746fa2fa2" providerId="LiveId" clId="{4FC40F47-DE0B-42CC-8DB6-F6DEBBE4F6BB}" dt="2022-12-05T09:28:19.390" v="132" actId="13926"/>
+        <pc:sldMkLst>
+          <pc:docMk/>
+          <pc:sldMk cId="2634916814" sldId="328"/>
+        </pc:sldMkLst>
+        <pc:spChg chg="mod">
+          <ac:chgData name="Stefano Castagnoli" userId="b5b1c50746fa2fa2" providerId="LiveId" clId="{4FC40F47-DE0B-42CC-8DB6-F6DEBBE4F6BB}" dt="2022-12-05T09:28:19.390" v="132" actId="13926"/>
+          <ac:spMkLst>
+            <pc:docMk/>
+            <pc:sldMk cId="2634916814" sldId="328"/>
+            <ac:spMk id="3" creationId="{6CCDAA5E-CAF4-9DE2-F08F-72B7E43B24D1}"/>
+          </ac:spMkLst>
+        </pc:spChg>
+      </pc:sldChg>
+      <pc:sldChg chg="addSp delSp modSp add mod">
+        <pc:chgData name="Stefano Castagnoli" userId="b5b1c50746fa2fa2" providerId="LiveId" clId="{4FC40F47-DE0B-42CC-8DB6-F6DEBBE4F6BB}" dt="2022-12-05T09:33:49.499" v="226"/>
+        <pc:sldMkLst>
+          <pc:docMk/>
+          <pc:sldMk cId="2948332786" sldId="329"/>
+        </pc:sldMkLst>
+        <pc:spChg chg="mod">
+          <ac:chgData name="Stefano Castagnoli" userId="b5b1c50746fa2fa2" providerId="LiveId" clId="{4FC40F47-DE0B-42CC-8DB6-F6DEBBE4F6BB}" dt="2022-12-05T09:32:58.234" v="136" actId="20577"/>
+          <ac:spMkLst>
+            <pc:docMk/>
+            <pc:sldMk cId="2948332786" sldId="329"/>
+            <ac:spMk id="2" creationId="{69496913-E27E-0E18-C61E-96660AFB142B}"/>
+          </ac:spMkLst>
+        </pc:spChg>
+        <pc:spChg chg="add mod">
+          <ac:chgData name="Stefano Castagnoli" userId="b5b1c50746fa2fa2" providerId="LiveId" clId="{4FC40F47-DE0B-42CC-8DB6-F6DEBBE4F6BB}" dt="2022-12-05T09:33:49.499" v="226"/>
+          <ac:spMkLst>
+            <pc:docMk/>
+            <pc:sldMk cId="2948332786" sldId="329"/>
+            <ac:spMk id="3" creationId="{C1966CCA-403F-75DF-62B4-49923A385509}"/>
+          </ac:spMkLst>
+        </pc:spChg>
+        <pc:spChg chg="del">
+          <ac:chgData name="Stefano Castagnoli" userId="b5b1c50746fa2fa2" providerId="LiveId" clId="{4FC40F47-DE0B-42CC-8DB6-F6DEBBE4F6BB}" dt="2022-12-05T09:33:22.172" v="146" actId="21"/>
+          <ac:spMkLst>
+            <pc:docMk/>
+            <pc:sldMk cId="2948332786" sldId="329"/>
+            <ac:spMk id="6" creationId="{3E5C30E1-47BA-24AD-7CEB-B2751A0AC5F9}"/>
+          </ac:spMkLst>
+        </pc:spChg>
+      </pc:sldChg>
+    </pc:docChg>
+  </pc:docChgLst>
+</pc:chgInfo>
 </file>
 
 <file path=ppt/notesMasters/notesMaster1.xml><?xml version="1.0" encoding="utf-8"?>
@@ -4279,7 +4531,7 @@
         <p:spPr>
           <a:xfrm>
             <a:off x="1219137" y="3474375"/>
-            <a:ext cx="9753724" cy="3210406"/>
+            <a:ext cx="9334563" cy="3210406"/>
           </a:xfrm>
           <a:prstGeom prst="roundRect">
             <a:avLst/>
@@ -6054,7 +6306,7 @@
           <a:p>
             <a:r>
               <a:rPr lang="it-IT" dirty="0"/>
-              <a:t>selector1-&gt; </a:t>
+              <a:t>selector2-&gt; </a:t>
             </a:r>
             <a:r>
               <a:rPr lang="it-IT" dirty="0" err="1"/>
@@ -6062,7 +6314,7 @@
             </a:r>
             <a:r>
               <a:rPr lang="it-IT" dirty="0"/>
-              <a:t>=produzione</a:t>
+              <a:t>=front-end</a:t>
             </a:r>
           </a:p>
         </p:txBody>
@@ -6335,7 +6587,7 @@
         <p:spPr>
           <a:xfrm>
             <a:off x="838200" y="365125"/>
-            <a:ext cx="10515600" cy="483961"/>
+            <a:ext cx="5495925" cy="483961"/>
           </a:xfrm>
         </p:spPr>
         <p:txBody>
@@ -6346,7 +6598,7 @@
           <a:p>
             <a:r>
               <a:rPr lang="it-IT" dirty="0"/>
-              <a:t>k8s, k3k, k0s, </a:t>
+              <a:t>k8s, k3s, k0s, </a:t>
             </a:r>
             <a:r>
               <a:rPr lang="it-IT" dirty="0" err="1"/>
@@ -7600,6 +7852,9 @@
             </a:r>
             <a:r>
               <a:rPr lang="it-IT" sz="2800" dirty="0" err="1">
+                <a:highlight>
+                  <a:srgbClr val="FFFF00"/>
+                </a:highlight>
                 <a:latin typeface="Courier New" panose="02070309020205020404" pitchFamily="49" charset="0"/>
                 <a:cs typeface="Courier New" panose="02070309020205020404" pitchFamily="49" charset="0"/>
               </a:rPr>
@@ -8095,7 +8350,7 @@
             </a:r>
             <a:r>
               <a:rPr lang="it-IT" dirty="0"/>
-              <a:t>(1/3)</a:t>
+              <a:t>(1/4)</a:t>
             </a:r>
           </a:p>
         </p:txBody>
@@ -8156,10 +8411,10 @@
       </p:sp>
       <p:sp>
         <p:nvSpPr>
-          <p:cNvPr id="6" name="CasellaDiTesto 5">
-            <a:extLst>
-              <a:ext uri="{FF2B5EF4-FFF2-40B4-BE49-F238E27FC236}">
-                <a16:creationId xmlns:a16="http://schemas.microsoft.com/office/drawing/2014/main" id="{3E5C30E1-47BA-24AD-7CEB-B2751A0AC5F9}"/>
+          <p:cNvPr id="3" name="CasellaDiTesto 2">
+            <a:extLst>
+              <a:ext uri="{FF2B5EF4-FFF2-40B4-BE49-F238E27FC236}">
+                <a16:creationId xmlns:a16="http://schemas.microsoft.com/office/drawing/2014/main" id="{2A6157E2-3EC5-4E2B-4C13-D11C0FDF8933}"/>
               </a:ext>
             </a:extLst>
           </p:cNvPr>
@@ -8169,7 +8424,7 @@
         <p:spPr>
           <a:xfrm>
             <a:off x="1041662" y="1383086"/>
-            <a:ext cx="11055665" cy="5355312"/>
+            <a:ext cx="11055665" cy="2862322"/>
           </a:xfrm>
           <a:prstGeom prst="rect">
             <a:avLst/>
@@ -8184,98 +8439,15 @@
           <a:p>
             <a:r>
               <a:rPr lang="it-IT" dirty="0"/>
-              <a:t>Vedi: </a:t>
-            </a:r>
-            <a:r>
-              <a:rPr lang="it-IT" dirty="0">
-                <a:hlinkClick r:id="rId2"/>
-              </a:rPr>
-              <a:t>https://computingforgeeks.com/deploy-kubernetes-cluster-on-linux-with-k0s/</a:t>
-            </a:r>
-            <a:endParaRPr lang="it-IT" dirty="0"/>
-          </a:p>
-          <a:p>
-            <a:r>
-              <a:rPr lang="it-IT" dirty="0">
-                <a:hlinkClick r:id="rId3"/>
-              </a:rPr>
-              <a:t>https://docs.k0sproject.io/v0.12.1/k0s-in-docker/</a:t>
-            </a:r>
-            <a:endParaRPr lang="it-IT" dirty="0"/>
-          </a:p>
-          <a:p>
-            <a:endParaRPr lang="it-IT" dirty="0"/>
-          </a:p>
-          <a:p>
-            <a:r>
-              <a:rPr lang="it-IT" dirty="0" err="1">
-                <a:latin typeface="Courier New" panose="02070309020205020404" pitchFamily="49" charset="0"/>
-                <a:cs typeface="Courier New" panose="02070309020205020404" pitchFamily="49" charset="0"/>
-              </a:rPr>
-              <a:t>docker</a:t>
-            </a:r>
-            <a:r>
-              <a:rPr lang="it-IT" dirty="0">
-                <a:latin typeface="Courier New" panose="02070309020205020404" pitchFamily="49" charset="0"/>
-                <a:cs typeface="Courier New" panose="02070309020205020404" pitchFamily="49" charset="0"/>
-              </a:rPr>
-              <a:t> </a:t>
-            </a:r>
-            <a:r>
-              <a:rPr lang="it-IT" dirty="0" err="1">
-                <a:latin typeface="Courier New" panose="02070309020205020404" pitchFamily="49" charset="0"/>
-                <a:cs typeface="Courier New" panose="02070309020205020404" pitchFamily="49" charset="0"/>
-              </a:rPr>
-              <a:t>run</a:t>
-            </a:r>
-            <a:r>
-              <a:rPr lang="it-IT" dirty="0">
-                <a:latin typeface="Courier New" panose="02070309020205020404" pitchFamily="49" charset="0"/>
-                <a:cs typeface="Courier New" panose="02070309020205020404" pitchFamily="49" charset="0"/>
-              </a:rPr>
-              <a:t> -d --name k0s --</a:t>
-            </a:r>
-            <a:r>
-              <a:rPr lang="it-IT" dirty="0" err="1">
-                <a:latin typeface="Courier New" panose="02070309020205020404" pitchFamily="49" charset="0"/>
-                <a:cs typeface="Courier New" panose="02070309020205020404" pitchFamily="49" charset="0"/>
-              </a:rPr>
-              <a:t>hostname</a:t>
-            </a:r>
-            <a:r>
-              <a:rPr lang="it-IT" dirty="0">
-                <a:latin typeface="Courier New" panose="02070309020205020404" pitchFamily="49" charset="0"/>
-                <a:cs typeface="Courier New" panose="02070309020205020404" pitchFamily="49" charset="0"/>
-              </a:rPr>
-              <a:t> k0s --</a:t>
-            </a:r>
-            <a:r>
-              <a:rPr lang="it-IT" dirty="0" err="1">
-                <a:latin typeface="Courier New" panose="02070309020205020404" pitchFamily="49" charset="0"/>
-                <a:cs typeface="Courier New" panose="02070309020205020404" pitchFamily="49" charset="0"/>
-              </a:rPr>
-              <a:t>privileged</a:t>
-            </a:r>
-            <a:r>
-              <a:rPr lang="it-IT" dirty="0">
-                <a:latin typeface="Courier New" panose="02070309020205020404" pitchFamily="49" charset="0"/>
-                <a:cs typeface="Courier New" panose="02070309020205020404" pitchFamily="49" charset="0"/>
-              </a:rPr>
-              <a:t> -v /var/</a:t>
-            </a:r>
-            <a:r>
-              <a:rPr lang="it-IT" dirty="0" err="1">
-                <a:latin typeface="Courier New" panose="02070309020205020404" pitchFamily="49" charset="0"/>
-                <a:cs typeface="Courier New" panose="02070309020205020404" pitchFamily="49" charset="0"/>
-              </a:rPr>
-              <a:t>lib</a:t>
-            </a:r>
-            <a:r>
-              <a:rPr lang="it-IT" dirty="0">
-                <a:latin typeface="Courier New" panose="02070309020205020404" pitchFamily="49" charset="0"/>
-                <a:cs typeface="Courier New" panose="02070309020205020404" pitchFamily="49" charset="0"/>
-              </a:rPr>
-              <a:t>/k0s -p 6443:6443 </a:t>
+              <a:t>Implementare un cluster </a:t>
+            </a:r>
+            <a:r>
+              <a:rPr lang="it-IT" dirty="0" err="1"/>
+              <a:t>Kubernetes</a:t>
+            </a:r>
+            <a:r>
+              <a:rPr lang="it-IT" dirty="0"/>
+              <a:t> tramite Docker utilizzando l'immagine </a:t>
             </a:r>
             <a:r>
               <a:rPr lang="it-IT" dirty="0" err="1">
@@ -8300,427 +8472,72 @@
           </a:p>
           <a:p>
             <a:r>
-              <a:rPr lang="en-US" dirty="0">
-                <a:latin typeface="Courier New" panose="02070309020205020404" pitchFamily="49" charset="0"/>
-                <a:cs typeface="Courier New" panose="02070309020205020404" pitchFamily="49" charset="0"/>
-              </a:rPr>
-              <a:t>docker exec k0s </a:t>
-            </a:r>
-            <a:r>
-              <a:rPr lang="en-US" dirty="0" err="1">
-                <a:latin typeface="Courier New" panose="02070309020205020404" pitchFamily="49" charset="0"/>
-                <a:cs typeface="Courier New" panose="02070309020205020404" pitchFamily="49" charset="0"/>
-              </a:rPr>
-              <a:t>kubectl</a:t>
-            </a:r>
-            <a:r>
-              <a:rPr lang="en-US" dirty="0">
-                <a:latin typeface="Courier New" panose="02070309020205020404" pitchFamily="49" charset="0"/>
-                <a:cs typeface="Courier New" panose="02070309020205020404" pitchFamily="49" charset="0"/>
-              </a:rPr>
-              <a:t> get nodes</a:t>
-            </a:r>
-          </a:p>
-          <a:p>
-            <a:endParaRPr lang="it-IT" dirty="0">
-              <a:latin typeface="Courier New" panose="02070309020205020404" pitchFamily="49" charset="0"/>
-              <a:cs typeface="Courier New" panose="02070309020205020404" pitchFamily="49" charset="0"/>
-            </a:endParaRPr>
-          </a:p>
-          <a:p>
-            <a:endParaRPr lang="it-IT" dirty="0">
-              <a:latin typeface="Courier New" panose="02070309020205020404" pitchFamily="49" charset="0"/>
-              <a:cs typeface="Courier New" panose="02070309020205020404" pitchFamily="49" charset="0"/>
-            </a:endParaRPr>
-          </a:p>
-          <a:p>
-            <a:r>
-              <a:rPr lang="it-IT" dirty="0">
-                <a:latin typeface="Courier New" panose="02070309020205020404" pitchFamily="49" charset="0"/>
-                <a:cs typeface="Courier New" panose="02070309020205020404" pitchFamily="49" charset="0"/>
-              </a:rPr>
-              <a:t>token=$(</a:t>
-            </a:r>
-            <a:r>
-              <a:rPr lang="it-IT" dirty="0" err="1">
-                <a:latin typeface="Courier New" panose="02070309020205020404" pitchFamily="49" charset="0"/>
-                <a:cs typeface="Courier New" panose="02070309020205020404" pitchFamily="49" charset="0"/>
-              </a:rPr>
-              <a:t>docker</a:t>
-            </a:r>
-            <a:r>
-              <a:rPr lang="it-IT" dirty="0">
-                <a:latin typeface="Courier New" panose="02070309020205020404" pitchFamily="49" charset="0"/>
-                <a:cs typeface="Courier New" panose="02070309020205020404" pitchFamily="49" charset="0"/>
-              </a:rPr>
-              <a:t> </a:t>
-            </a:r>
-            <a:r>
-              <a:rPr lang="it-IT" dirty="0" err="1">
-                <a:latin typeface="Courier New" panose="02070309020205020404" pitchFamily="49" charset="0"/>
-                <a:cs typeface="Courier New" panose="02070309020205020404" pitchFamily="49" charset="0"/>
-              </a:rPr>
-              <a:t>exec</a:t>
-            </a:r>
-            <a:r>
-              <a:rPr lang="it-IT" dirty="0">
-                <a:latin typeface="Courier New" panose="02070309020205020404" pitchFamily="49" charset="0"/>
-                <a:cs typeface="Courier New" panose="02070309020205020404" pitchFamily="49" charset="0"/>
-              </a:rPr>
-              <a:t> -t -i k0s </a:t>
-            </a:r>
-            <a:r>
-              <a:rPr lang="it-IT" dirty="0" err="1">
-                <a:latin typeface="Courier New" panose="02070309020205020404" pitchFamily="49" charset="0"/>
-                <a:cs typeface="Courier New" panose="02070309020205020404" pitchFamily="49" charset="0"/>
-              </a:rPr>
-              <a:t>k0s</a:t>
-            </a:r>
-            <a:r>
-              <a:rPr lang="it-IT" dirty="0">
-                <a:latin typeface="Courier New" panose="02070309020205020404" pitchFamily="49" charset="0"/>
-                <a:cs typeface="Courier New" panose="02070309020205020404" pitchFamily="49" charset="0"/>
-              </a:rPr>
-              <a:t> token create --</a:t>
-            </a:r>
-            <a:r>
-              <a:rPr lang="it-IT" dirty="0" err="1">
-                <a:latin typeface="Courier New" panose="02070309020205020404" pitchFamily="49" charset="0"/>
-                <a:cs typeface="Courier New" panose="02070309020205020404" pitchFamily="49" charset="0"/>
-              </a:rPr>
-              <a:t>role</a:t>
-            </a:r>
-            <a:r>
-              <a:rPr lang="it-IT" dirty="0">
-                <a:latin typeface="Courier New" panose="02070309020205020404" pitchFamily="49" charset="0"/>
-                <a:cs typeface="Courier New" panose="02070309020205020404" pitchFamily="49" charset="0"/>
-              </a:rPr>
-              <a:t>=worker)</a:t>
-            </a:r>
-            <a:endParaRPr lang="en-US" dirty="0">
-              <a:latin typeface="Courier New" panose="02070309020205020404" pitchFamily="49" charset="0"/>
-              <a:cs typeface="Courier New" panose="02070309020205020404" pitchFamily="49" charset="0"/>
-            </a:endParaRPr>
-          </a:p>
-          <a:p>
-            <a:endParaRPr lang="it-IT" dirty="0">
-              <a:latin typeface="Courier New" panose="02070309020205020404" pitchFamily="49" charset="0"/>
-              <a:cs typeface="Courier New" panose="02070309020205020404" pitchFamily="49" charset="0"/>
-            </a:endParaRPr>
-          </a:p>
-          <a:p>
-            <a:r>
-              <a:rPr lang="it-IT" dirty="0" err="1">
-                <a:latin typeface="Courier New" panose="02070309020205020404" pitchFamily="49" charset="0"/>
-                <a:cs typeface="Courier New" panose="02070309020205020404" pitchFamily="49" charset="0"/>
-              </a:rPr>
-              <a:t>docker</a:t>
-            </a:r>
-            <a:r>
-              <a:rPr lang="it-IT" dirty="0">
-                <a:latin typeface="Courier New" panose="02070309020205020404" pitchFamily="49" charset="0"/>
-                <a:cs typeface="Courier New" panose="02070309020205020404" pitchFamily="49" charset="0"/>
-              </a:rPr>
-              <a:t> </a:t>
-            </a:r>
-            <a:r>
-              <a:rPr lang="it-IT" dirty="0" err="1">
-                <a:latin typeface="Courier New" panose="02070309020205020404" pitchFamily="49" charset="0"/>
-                <a:cs typeface="Courier New" panose="02070309020205020404" pitchFamily="49" charset="0"/>
-              </a:rPr>
-              <a:t>run</a:t>
-            </a:r>
-            <a:r>
-              <a:rPr lang="it-IT" dirty="0">
-                <a:latin typeface="Courier New" panose="02070309020205020404" pitchFamily="49" charset="0"/>
-                <a:cs typeface="Courier New" panose="02070309020205020404" pitchFamily="49" charset="0"/>
-              </a:rPr>
-              <a:t> -d --name k0s-worker1 --</a:t>
-            </a:r>
-            <a:r>
-              <a:rPr lang="it-IT" dirty="0" err="1">
-                <a:latin typeface="Courier New" panose="02070309020205020404" pitchFamily="49" charset="0"/>
-                <a:cs typeface="Courier New" panose="02070309020205020404" pitchFamily="49" charset="0"/>
-              </a:rPr>
-              <a:t>hostname</a:t>
-            </a:r>
-            <a:r>
-              <a:rPr lang="it-IT" dirty="0">
-                <a:latin typeface="Courier New" panose="02070309020205020404" pitchFamily="49" charset="0"/>
-                <a:cs typeface="Courier New" panose="02070309020205020404" pitchFamily="49" charset="0"/>
-              </a:rPr>
-              <a:t> k0s-worker1 --</a:t>
-            </a:r>
-            <a:r>
-              <a:rPr lang="it-IT" dirty="0" err="1">
-                <a:latin typeface="Courier New" panose="02070309020205020404" pitchFamily="49" charset="0"/>
-                <a:cs typeface="Courier New" panose="02070309020205020404" pitchFamily="49" charset="0"/>
-              </a:rPr>
-              <a:t>privileged</a:t>
-            </a:r>
-            <a:r>
-              <a:rPr lang="it-IT" dirty="0">
-                <a:latin typeface="Courier New" panose="02070309020205020404" pitchFamily="49" charset="0"/>
-                <a:cs typeface="Courier New" panose="02070309020205020404" pitchFamily="49" charset="0"/>
-              </a:rPr>
-              <a:t> -v /var/</a:t>
-            </a:r>
-            <a:r>
-              <a:rPr lang="it-IT" dirty="0" err="1">
-                <a:latin typeface="Courier New" panose="02070309020205020404" pitchFamily="49" charset="0"/>
-                <a:cs typeface="Courier New" panose="02070309020205020404" pitchFamily="49" charset="0"/>
-              </a:rPr>
-              <a:t>lib</a:t>
-            </a:r>
-            <a:r>
-              <a:rPr lang="it-IT" dirty="0">
-                <a:latin typeface="Courier New" panose="02070309020205020404" pitchFamily="49" charset="0"/>
-                <a:cs typeface="Courier New" panose="02070309020205020404" pitchFamily="49" charset="0"/>
-              </a:rPr>
-              <a:t>/k0s </a:t>
-            </a:r>
-            <a:r>
-              <a:rPr lang="it-IT" dirty="0" err="1">
-                <a:latin typeface="Courier New" panose="02070309020205020404" pitchFamily="49" charset="0"/>
-                <a:cs typeface="Courier New" panose="02070309020205020404" pitchFamily="49" charset="0"/>
-              </a:rPr>
-              <a:t>docker.io</a:t>
-            </a:r>
-            <a:r>
-              <a:rPr lang="it-IT" dirty="0">
-                <a:latin typeface="Courier New" panose="02070309020205020404" pitchFamily="49" charset="0"/>
-                <a:cs typeface="Courier New" panose="02070309020205020404" pitchFamily="49" charset="0"/>
-              </a:rPr>
-              <a:t>/k0sproject/k0s:latest k0s worker $token</a:t>
-            </a:r>
-          </a:p>
-          <a:p>
-            <a:endParaRPr lang="it-IT" dirty="0">
-              <a:latin typeface="Courier New" panose="02070309020205020404" pitchFamily="49" charset="0"/>
-              <a:cs typeface="Courier New" panose="02070309020205020404" pitchFamily="49" charset="0"/>
-            </a:endParaRPr>
-          </a:p>
-          <a:p>
-            <a:endParaRPr lang="it-IT" dirty="0">
-              <a:latin typeface="Courier New" panose="02070309020205020404" pitchFamily="49" charset="0"/>
-              <a:cs typeface="Courier New" panose="02070309020205020404" pitchFamily="49" charset="0"/>
-            </a:endParaRPr>
-          </a:p>
-          <a:p>
-            <a:endParaRPr lang="it-IT" dirty="0">
-              <a:latin typeface="Courier New" panose="02070309020205020404" pitchFamily="49" charset="0"/>
-              <a:cs typeface="Courier New" panose="02070309020205020404" pitchFamily="49" charset="0"/>
-            </a:endParaRPr>
-          </a:p>
-          <a:p>
-            <a:endParaRPr lang="it-IT" dirty="0">
-              <a:latin typeface="Courier New" panose="02070309020205020404" pitchFamily="49" charset="0"/>
-              <a:cs typeface="Courier New" panose="02070309020205020404" pitchFamily="49" charset="0"/>
-            </a:endParaRPr>
-          </a:p>
-          <a:p>
-            <a:endParaRPr lang="it-IT" dirty="0">
-              <a:latin typeface="Courier New" panose="02070309020205020404" pitchFamily="49" charset="0"/>
-              <a:cs typeface="Courier New" panose="02070309020205020404" pitchFamily="49" charset="0"/>
-            </a:endParaRPr>
-          </a:p>
-          <a:p>
-            <a:r>
-              <a:rPr lang="it-IT" dirty="0" err="1">
-                <a:latin typeface="Courier New" panose="02070309020205020404" pitchFamily="49" charset="0"/>
-                <a:cs typeface="Courier New" panose="02070309020205020404" pitchFamily="49" charset="0"/>
-              </a:rPr>
-              <a:t>docker</a:t>
-            </a:r>
-            <a:r>
-              <a:rPr lang="it-IT" dirty="0">
-                <a:latin typeface="Courier New" panose="02070309020205020404" pitchFamily="49" charset="0"/>
-                <a:cs typeface="Courier New" panose="02070309020205020404" pitchFamily="49" charset="0"/>
-              </a:rPr>
-              <a:t> </a:t>
-            </a:r>
-            <a:r>
-              <a:rPr lang="it-IT" dirty="0" err="1">
-                <a:latin typeface="Courier New" panose="02070309020205020404" pitchFamily="49" charset="0"/>
-                <a:cs typeface="Courier New" panose="02070309020205020404" pitchFamily="49" charset="0"/>
-              </a:rPr>
-              <a:t>exec</a:t>
-            </a:r>
-            <a:r>
-              <a:rPr lang="it-IT" dirty="0">
-                <a:latin typeface="Courier New" panose="02070309020205020404" pitchFamily="49" charset="0"/>
-                <a:cs typeface="Courier New" panose="02070309020205020404" pitchFamily="49" charset="0"/>
-              </a:rPr>
-              <a:t> k0s </a:t>
-            </a:r>
-            <a:r>
-              <a:rPr lang="it-IT" dirty="0" err="1">
-                <a:latin typeface="Courier New" panose="02070309020205020404" pitchFamily="49" charset="0"/>
-                <a:cs typeface="Courier New" panose="02070309020205020404" pitchFamily="49" charset="0"/>
-              </a:rPr>
-              <a:t>k0s</a:t>
-            </a:r>
-            <a:r>
-              <a:rPr lang="it-IT" dirty="0">
-                <a:latin typeface="Courier New" panose="02070309020205020404" pitchFamily="49" charset="0"/>
-                <a:cs typeface="Courier New" panose="02070309020205020404" pitchFamily="49" charset="0"/>
-              </a:rPr>
-              <a:t> status</a:t>
-            </a:r>
+              <a:rPr lang="it-IT" dirty="0"/>
+              <a:t>Creare 3 nodi:</a:t>
+            </a:r>
+          </a:p>
+          <a:p>
+            <a:pPr marL="342900" indent="-342900">
+              <a:buFont typeface="+mj-lt"/>
+              <a:buAutoNum type="arabicPeriod"/>
+            </a:pPr>
+            <a:r>
+              <a:rPr lang="it-IT" dirty="0"/>
+              <a:t>k0s-cognome</a:t>
+            </a:r>
+          </a:p>
+          <a:p>
+            <a:pPr marL="342900" indent="-342900">
+              <a:buFont typeface="+mj-lt"/>
+              <a:buAutoNum type="arabicPeriod"/>
+            </a:pPr>
+            <a:r>
+              <a:rPr lang="it-IT" dirty="0"/>
+              <a:t>k0s-worker1-cognome</a:t>
+            </a:r>
+          </a:p>
+          <a:p>
+            <a:pPr marL="342900" indent="-342900">
+              <a:buFont typeface="+mj-lt"/>
+              <a:buAutoNum type="arabicPeriod"/>
+            </a:pPr>
+            <a:r>
+              <a:rPr lang="it-IT" dirty="0"/>
+              <a:t>k0s-worker2-cognome</a:t>
+            </a:r>
+          </a:p>
+          <a:p>
+            <a:pPr marL="342900" indent="-342900">
+              <a:buFont typeface="+mj-lt"/>
+              <a:buAutoNum type="arabicPeriod"/>
+            </a:pPr>
             <a:endParaRPr lang="it-IT" dirty="0"/>
           </a:p>
-        </p:txBody>
-      </p:sp>
-      <p:pic>
-        <p:nvPicPr>
-          <p:cNvPr id="12" name="Immagine 11">
-            <a:extLst>
-              <a:ext uri="{FF2B5EF4-FFF2-40B4-BE49-F238E27FC236}">
-                <a16:creationId xmlns:a16="http://schemas.microsoft.com/office/drawing/2014/main" id="{2C854A4E-2809-580E-AE62-208A50CCF264}"/>
-              </a:ext>
-            </a:extLst>
-          </p:cNvPr>
-          <p:cNvPicPr>
-            <a:picLocks noChangeAspect="1"/>
-          </p:cNvPicPr>
-          <p:nvPr/>
-        </p:nvPicPr>
-        <p:blipFill>
-          <a:blip r:embed="rId4"/>
-          <a:stretch>
-            <a:fillRect/>
-          </a:stretch>
-        </p:blipFill>
-        <p:spPr>
-          <a:xfrm>
-            <a:off x="6939479" y="2624160"/>
-            <a:ext cx="3962953" cy="390580"/>
-          </a:xfrm>
-          <a:prstGeom prst="rect">
-            <a:avLst/>
-          </a:prstGeom>
-        </p:spPr>
-      </p:pic>
-      <p:pic>
-        <p:nvPicPr>
-          <p:cNvPr id="14" name="Immagine 13">
-            <a:extLst>
-              <a:ext uri="{FF2B5EF4-FFF2-40B4-BE49-F238E27FC236}">
-                <a16:creationId xmlns:a16="http://schemas.microsoft.com/office/drawing/2014/main" id="{2B25FB1E-F1BD-78F7-41EF-43502EB95079}"/>
-              </a:ext>
-            </a:extLst>
-          </p:cNvPr>
-          <p:cNvPicPr>
-            <a:picLocks noChangeAspect="1"/>
-          </p:cNvPicPr>
-          <p:nvPr/>
-        </p:nvPicPr>
-        <p:blipFill>
-          <a:blip r:embed="rId5"/>
-          <a:stretch>
-            <a:fillRect/>
-          </a:stretch>
-        </p:blipFill>
-        <p:spPr>
-          <a:xfrm>
-            <a:off x="6939479" y="3047946"/>
-            <a:ext cx="4553585" cy="381053"/>
-          </a:xfrm>
-          <a:prstGeom prst="rect">
-            <a:avLst/>
-          </a:prstGeom>
-        </p:spPr>
-      </p:pic>
-      <p:pic>
-        <p:nvPicPr>
-          <p:cNvPr id="16" name="Immagine 15">
-            <a:extLst>
-              <a:ext uri="{FF2B5EF4-FFF2-40B4-BE49-F238E27FC236}">
-                <a16:creationId xmlns:a16="http://schemas.microsoft.com/office/drawing/2014/main" id="{C61CB52E-A7B2-D8ED-98E1-F98E60E2C71C}"/>
-              </a:ext>
-            </a:extLst>
-          </p:cNvPr>
-          <p:cNvPicPr>
-            <a:picLocks noChangeAspect="1"/>
-          </p:cNvPicPr>
-          <p:nvPr/>
-        </p:nvPicPr>
-        <p:blipFill>
-          <a:blip r:embed="rId6"/>
-          <a:stretch>
-            <a:fillRect/>
-          </a:stretch>
-        </p:blipFill>
-        <p:spPr>
-          <a:xfrm>
-            <a:off x="6939479" y="3459105"/>
-            <a:ext cx="4382112" cy="371527"/>
-          </a:xfrm>
-          <a:prstGeom prst="rect">
-            <a:avLst/>
-          </a:prstGeom>
-        </p:spPr>
-      </p:pic>
-      <p:pic>
-        <p:nvPicPr>
-          <p:cNvPr id="19" name="Immagine 18">
-            <a:extLst>
-              <a:ext uri="{FF2B5EF4-FFF2-40B4-BE49-F238E27FC236}">
-                <a16:creationId xmlns:a16="http://schemas.microsoft.com/office/drawing/2014/main" id="{52330F60-F0C5-000A-38E9-33E93C6D3977}"/>
-              </a:ext>
-            </a:extLst>
-          </p:cNvPr>
-          <p:cNvPicPr>
-            <a:picLocks noChangeAspect="1"/>
-          </p:cNvPicPr>
-          <p:nvPr/>
-        </p:nvPicPr>
-        <p:blipFill>
-          <a:blip r:embed="rId7"/>
-          <a:stretch>
-            <a:fillRect/>
-          </a:stretch>
-        </p:blipFill>
-        <p:spPr>
-          <a:xfrm>
-            <a:off x="1152015" y="5632366"/>
-            <a:ext cx="5191850" cy="523948"/>
-          </a:xfrm>
-          <a:prstGeom prst="rect">
-            <a:avLst/>
-          </a:prstGeom>
-        </p:spPr>
-      </p:pic>
-      <p:pic>
-        <p:nvPicPr>
-          <p:cNvPr id="21" name="Immagine 20">
-            <a:extLst>
-              <a:ext uri="{FF2B5EF4-FFF2-40B4-BE49-F238E27FC236}">
-                <a16:creationId xmlns:a16="http://schemas.microsoft.com/office/drawing/2014/main" id="{7166CE40-8A1B-BD39-8C7F-9C947504B87A}"/>
-              </a:ext>
-            </a:extLst>
-          </p:cNvPr>
-          <p:cNvPicPr>
-            <a:picLocks noChangeAspect="1"/>
-          </p:cNvPicPr>
-          <p:nvPr/>
-        </p:nvPicPr>
-        <p:blipFill>
-          <a:blip r:embed="rId8"/>
-          <a:stretch>
-            <a:fillRect/>
-          </a:stretch>
-        </p:blipFill>
-        <p:spPr>
-          <a:xfrm>
-            <a:off x="1152015" y="5040756"/>
-            <a:ext cx="5315692" cy="533474"/>
-          </a:xfrm>
-          <a:prstGeom prst="rect">
-            <a:avLst/>
-          </a:prstGeom>
-        </p:spPr>
-      </p:pic>
+          <a:p>
+            <a:r>
+              <a:rPr lang="it-IT" dirty="0"/>
+              <a:t>Verificare lo stato di funzionamento dei nodi all'interno del cluster e mettere in esecuzione il servizio </a:t>
+            </a:r>
+            <a:r>
+              <a:rPr lang="it-IT" dirty="0" err="1"/>
+              <a:t>Nginx</a:t>
+            </a:r>
+            <a:r>
+              <a:rPr lang="it-IT" dirty="0"/>
+              <a:t> (solo localmente: verificare con </a:t>
+            </a:r>
+            <a:r>
+              <a:rPr lang="it-IT" dirty="0" err="1"/>
+              <a:t>curl</a:t>
+            </a:r>
+            <a:r>
+              <a:rPr lang="it-IT"/>
+              <a:t>)</a:t>
+            </a:r>
+            <a:endParaRPr lang="it-IT" dirty="0"/>
+          </a:p>
+        </p:txBody>
+      </p:sp>
     </p:spTree>
     <p:extLst>
       <p:ext uri="{BB962C8B-B14F-4D97-AF65-F5344CB8AC3E}">
@@ -8785,7 +8602,7 @@
             </a:r>
             <a:r>
               <a:rPr lang="it-IT" dirty="0"/>
-              <a:t>(2/3)</a:t>
+              <a:t>(2/4)</a:t>
             </a:r>
           </a:p>
         </p:txBody>
@@ -8844,399 +8661,12 @@
           </a:p>
         </p:txBody>
       </p:sp>
-      <p:sp>
-        <p:nvSpPr>
-          <p:cNvPr id="6" name="CasellaDiTesto 5">
-            <a:extLst>
-              <a:ext uri="{FF2B5EF4-FFF2-40B4-BE49-F238E27FC236}">
-                <a16:creationId xmlns:a16="http://schemas.microsoft.com/office/drawing/2014/main" id="{3E5C30E1-47BA-24AD-7CEB-B2751A0AC5F9}"/>
-              </a:ext>
-            </a:extLst>
-          </p:cNvPr>
-          <p:cNvSpPr txBox="1"/>
-          <p:nvPr/>
-        </p:nvSpPr>
-        <p:spPr>
-          <a:xfrm>
-            <a:off x="1041663" y="1072002"/>
-            <a:ext cx="11055665" cy="7694414"/>
-          </a:xfrm>
-          <a:prstGeom prst="rect">
-            <a:avLst/>
-          </a:prstGeom>
-          <a:noFill/>
-        </p:spPr>
-        <p:txBody>
-          <a:bodyPr wrap="square">
-            <a:spAutoFit/>
-          </a:bodyPr>
-          <a:lstStyle/>
-          <a:p>
-            <a:r>
-              <a:rPr lang="en-US" dirty="0">
-                <a:latin typeface="Courier New" panose="02070309020205020404" pitchFamily="49" charset="0"/>
-                <a:cs typeface="Courier New" panose="02070309020205020404" pitchFamily="49" charset="0"/>
-              </a:rPr>
-              <a:t>docker exec -it k0s /bin/bash</a:t>
-            </a:r>
-            <a:endParaRPr lang="it-IT" dirty="0">
-              <a:latin typeface="Courier New" panose="02070309020205020404" pitchFamily="49" charset="0"/>
-              <a:cs typeface="Courier New" panose="02070309020205020404" pitchFamily="49" charset="0"/>
-            </a:endParaRPr>
-          </a:p>
-          <a:p>
-            <a:endParaRPr lang="it-IT" dirty="0">
-              <a:latin typeface="Courier New" panose="02070309020205020404" pitchFamily="49" charset="0"/>
-              <a:cs typeface="Courier New" panose="02070309020205020404" pitchFamily="49" charset="0"/>
-            </a:endParaRPr>
-          </a:p>
-          <a:p>
-            <a:r>
-              <a:rPr lang="it-IT" dirty="0">
-                <a:latin typeface="Courier New" panose="02070309020205020404" pitchFamily="49" charset="0"/>
-                <a:cs typeface="Courier New" panose="02070309020205020404" pitchFamily="49" charset="0"/>
-              </a:rPr>
-              <a:t>vi </a:t>
-            </a:r>
-            <a:r>
-              <a:rPr lang="it-IT" dirty="0" err="1">
-                <a:latin typeface="Courier New" panose="02070309020205020404" pitchFamily="49" charset="0"/>
-                <a:cs typeface="Courier New" panose="02070309020205020404" pitchFamily="49" charset="0"/>
-              </a:rPr>
-              <a:t>deployNginx.yaml</a:t>
-            </a:r>
-            <a:endParaRPr lang="it-IT" dirty="0">
-              <a:latin typeface="Courier New" panose="02070309020205020404" pitchFamily="49" charset="0"/>
-              <a:cs typeface="Courier New" panose="02070309020205020404" pitchFamily="49" charset="0"/>
-            </a:endParaRPr>
-          </a:p>
-          <a:p>
-            <a:endParaRPr lang="it-IT" dirty="0"/>
-          </a:p>
-          <a:p>
-            <a:r>
-              <a:rPr lang="it-IT" dirty="0"/>
-              <a:t>da dentro al </a:t>
-            </a:r>
-            <a:r>
-              <a:rPr lang="it-IT" dirty="0" err="1"/>
-              <a:t>docker</a:t>
-            </a:r>
-            <a:r>
-              <a:rPr lang="it-IT" dirty="0"/>
-              <a:t> controller:</a:t>
-            </a:r>
-          </a:p>
-          <a:p>
-            <a:r>
-              <a:rPr lang="en-US" dirty="0">
-                <a:latin typeface="Courier New" panose="02070309020205020404" pitchFamily="49" charset="0"/>
-                <a:cs typeface="Courier New" panose="02070309020205020404" pitchFamily="49" charset="0"/>
-              </a:rPr>
-              <a:t>k0s </a:t>
-            </a:r>
-            <a:r>
-              <a:rPr lang="en-US" dirty="0" err="1">
-                <a:latin typeface="Courier New" panose="02070309020205020404" pitchFamily="49" charset="0"/>
-                <a:cs typeface="Courier New" panose="02070309020205020404" pitchFamily="49" charset="0"/>
-              </a:rPr>
-              <a:t>kubectl</a:t>
-            </a:r>
-            <a:r>
-              <a:rPr lang="en-US" dirty="0">
-                <a:latin typeface="Courier New" panose="02070309020205020404" pitchFamily="49" charset="0"/>
-                <a:cs typeface="Courier New" panose="02070309020205020404" pitchFamily="49" charset="0"/>
-              </a:rPr>
-              <a:t> apply -f </a:t>
-            </a:r>
-            <a:r>
-              <a:rPr lang="en-US" dirty="0" err="1">
-                <a:latin typeface="Courier New" panose="02070309020205020404" pitchFamily="49" charset="0"/>
-                <a:cs typeface="Courier New" panose="02070309020205020404" pitchFamily="49" charset="0"/>
-              </a:rPr>
-              <a:t>deployNginx.yaml</a:t>
-            </a:r>
-            <a:endParaRPr lang="en-US" dirty="0">
-              <a:latin typeface="Courier New" panose="02070309020205020404" pitchFamily="49" charset="0"/>
-              <a:cs typeface="Courier New" panose="02070309020205020404" pitchFamily="49" charset="0"/>
-            </a:endParaRPr>
-          </a:p>
-          <a:p>
-            <a:endParaRPr lang="en-US" dirty="0">
-              <a:latin typeface="Courier New" panose="02070309020205020404" pitchFamily="49" charset="0"/>
-              <a:cs typeface="Courier New" panose="02070309020205020404" pitchFamily="49" charset="0"/>
-            </a:endParaRPr>
-          </a:p>
-          <a:p>
-            <a:endParaRPr lang="en-US" dirty="0">
-              <a:latin typeface="Courier New" panose="02070309020205020404" pitchFamily="49" charset="0"/>
-              <a:cs typeface="Courier New" panose="02070309020205020404" pitchFamily="49" charset="0"/>
-            </a:endParaRPr>
-          </a:p>
-          <a:p>
-            <a:endParaRPr lang="en-US" dirty="0">
-              <a:latin typeface="Courier New" panose="02070309020205020404" pitchFamily="49" charset="0"/>
-              <a:cs typeface="Courier New" panose="02070309020205020404" pitchFamily="49" charset="0"/>
-            </a:endParaRPr>
-          </a:p>
-          <a:p>
-            <a:endParaRPr lang="en-US" dirty="0">
-              <a:latin typeface="Courier New" panose="02070309020205020404" pitchFamily="49" charset="0"/>
-              <a:cs typeface="Courier New" panose="02070309020205020404" pitchFamily="49" charset="0"/>
-            </a:endParaRPr>
-          </a:p>
-          <a:p>
-            <a:endParaRPr lang="en-US" dirty="0">
-              <a:latin typeface="Courier New" panose="02070309020205020404" pitchFamily="49" charset="0"/>
-              <a:cs typeface="Courier New" panose="02070309020205020404" pitchFamily="49" charset="0"/>
-            </a:endParaRPr>
-          </a:p>
-          <a:p>
-            <a:r>
-              <a:rPr lang="en-US" sz="900" dirty="0" err="1">
-                <a:latin typeface="Courier New" panose="02070309020205020404" pitchFamily="49" charset="0"/>
-                <a:cs typeface="Courier New" panose="02070309020205020404" pitchFamily="49" charset="0"/>
-              </a:rPr>
-              <a:t>apiVersion</a:t>
-            </a:r>
-            <a:r>
-              <a:rPr lang="en-US" sz="900" dirty="0">
-                <a:latin typeface="Courier New" panose="02070309020205020404" pitchFamily="49" charset="0"/>
-                <a:cs typeface="Courier New" panose="02070309020205020404" pitchFamily="49" charset="0"/>
-              </a:rPr>
-              <a:t>: apps/v1</a:t>
-            </a:r>
-          </a:p>
-          <a:p>
-            <a:r>
-              <a:rPr lang="en-US" sz="900" dirty="0">
-                <a:latin typeface="Courier New" panose="02070309020205020404" pitchFamily="49" charset="0"/>
-                <a:cs typeface="Courier New" panose="02070309020205020404" pitchFamily="49" charset="0"/>
-              </a:rPr>
-              <a:t>kind: Deployment</a:t>
-            </a:r>
-          </a:p>
-          <a:p>
-            <a:r>
-              <a:rPr lang="en-US" sz="900" dirty="0">
-                <a:latin typeface="Courier New" panose="02070309020205020404" pitchFamily="49" charset="0"/>
-                <a:cs typeface="Courier New" panose="02070309020205020404" pitchFamily="49" charset="0"/>
-              </a:rPr>
-              <a:t>metadata:</a:t>
-            </a:r>
-          </a:p>
-          <a:p>
-            <a:r>
-              <a:rPr lang="en-US" sz="900" dirty="0">
-                <a:latin typeface="Courier New" panose="02070309020205020404" pitchFamily="49" charset="0"/>
-                <a:cs typeface="Courier New" panose="02070309020205020404" pitchFamily="49" charset="0"/>
-              </a:rPr>
-              <a:t>  name: nginx-deployment</a:t>
-            </a:r>
-          </a:p>
-          <a:p>
-            <a:r>
-              <a:rPr lang="en-US" sz="900" dirty="0">
-                <a:latin typeface="Courier New" panose="02070309020205020404" pitchFamily="49" charset="0"/>
-                <a:cs typeface="Courier New" panose="02070309020205020404" pitchFamily="49" charset="0"/>
-              </a:rPr>
-              <a:t>spec:</a:t>
-            </a:r>
-          </a:p>
-          <a:p>
-            <a:r>
-              <a:rPr lang="en-US" sz="900" dirty="0">
-                <a:latin typeface="Courier New" panose="02070309020205020404" pitchFamily="49" charset="0"/>
-                <a:cs typeface="Courier New" panose="02070309020205020404" pitchFamily="49" charset="0"/>
-              </a:rPr>
-              <a:t>  selector:</a:t>
-            </a:r>
-          </a:p>
-          <a:p>
-            <a:r>
-              <a:rPr lang="en-US" sz="900" dirty="0">
-                <a:latin typeface="Courier New" panose="02070309020205020404" pitchFamily="49" charset="0"/>
-                <a:cs typeface="Courier New" panose="02070309020205020404" pitchFamily="49" charset="0"/>
-              </a:rPr>
-              <a:t>    </a:t>
-            </a:r>
-            <a:r>
-              <a:rPr lang="en-US" sz="900" dirty="0" err="1">
-                <a:latin typeface="Courier New" panose="02070309020205020404" pitchFamily="49" charset="0"/>
-                <a:cs typeface="Courier New" panose="02070309020205020404" pitchFamily="49" charset="0"/>
-              </a:rPr>
-              <a:t>matchLabels</a:t>
-            </a:r>
-            <a:r>
-              <a:rPr lang="en-US" sz="900" dirty="0">
-                <a:latin typeface="Courier New" panose="02070309020205020404" pitchFamily="49" charset="0"/>
-                <a:cs typeface="Courier New" panose="02070309020205020404" pitchFamily="49" charset="0"/>
-              </a:rPr>
-              <a:t>:</a:t>
-            </a:r>
-          </a:p>
-          <a:p>
-            <a:r>
-              <a:rPr lang="en-US" sz="900" dirty="0">
-                <a:latin typeface="Courier New" panose="02070309020205020404" pitchFamily="49" charset="0"/>
-                <a:cs typeface="Courier New" panose="02070309020205020404" pitchFamily="49" charset="0"/>
-              </a:rPr>
-              <a:t>      app: nginx</a:t>
-            </a:r>
-          </a:p>
-          <a:p>
-            <a:r>
-              <a:rPr lang="en-US" sz="900" dirty="0">
-                <a:latin typeface="Courier New" panose="02070309020205020404" pitchFamily="49" charset="0"/>
-                <a:cs typeface="Courier New" panose="02070309020205020404" pitchFamily="49" charset="0"/>
-              </a:rPr>
-              <a:t>  replicas: 2</a:t>
-            </a:r>
-          </a:p>
-          <a:p>
-            <a:r>
-              <a:rPr lang="en-US" sz="900" dirty="0">
-                <a:latin typeface="Courier New" panose="02070309020205020404" pitchFamily="49" charset="0"/>
-                <a:cs typeface="Courier New" panose="02070309020205020404" pitchFamily="49" charset="0"/>
-              </a:rPr>
-              <a:t>  template:</a:t>
-            </a:r>
-          </a:p>
-          <a:p>
-            <a:r>
-              <a:rPr lang="en-US" sz="900" dirty="0">
-                <a:latin typeface="Courier New" panose="02070309020205020404" pitchFamily="49" charset="0"/>
-                <a:cs typeface="Courier New" panose="02070309020205020404" pitchFamily="49" charset="0"/>
-              </a:rPr>
-              <a:t>    metadata:</a:t>
-            </a:r>
-          </a:p>
-          <a:p>
-            <a:r>
-              <a:rPr lang="en-US" sz="900" dirty="0">
-                <a:latin typeface="Courier New" panose="02070309020205020404" pitchFamily="49" charset="0"/>
-                <a:cs typeface="Courier New" panose="02070309020205020404" pitchFamily="49" charset="0"/>
-              </a:rPr>
-              <a:t>      labels:</a:t>
-            </a:r>
-          </a:p>
-          <a:p>
-            <a:r>
-              <a:rPr lang="en-US" sz="900" dirty="0">
-                <a:latin typeface="Courier New" panose="02070309020205020404" pitchFamily="49" charset="0"/>
-                <a:cs typeface="Courier New" panose="02070309020205020404" pitchFamily="49" charset="0"/>
-              </a:rPr>
-              <a:t>        app: nginx</a:t>
-            </a:r>
-          </a:p>
-          <a:p>
-            <a:r>
-              <a:rPr lang="en-US" sz="900" dirty="0">
-                <a:latin typeface="Courier New" panose="02070309020205020404" pitchFamily="49" charset="0"/>
-                <a:cs typeface="Courier New" panose="02070309020205020404" pitchFamily="49" charset="0"/>
-              </a:rPr>
-              <a:t>    spec:</a:t>
-            </a:r>
-          </a:p>
-          <a:p>
-            <a:r>
-              <a:rPr lang="en-US" sz="900" dirty="0">
-                <a:latin typeface="Courier New" panose="02070309020205020404" pitchFamily="49" charset="0"/>
-                <a:cs typeface="Courier New" panose="02070309020205020404" pitchFamily="49" charset="0"/>
-              </a:rPr>
-              <a:t>      containers:</a:t>
-            </a:r>
-          </a:p>
-          <a:p>
-            <a:r>
-              <a:rPr lang="en-US" sz="900" dirty="0">
-                <a:latin typeface="Courier New" panose="02070309020205020404" pitchFamily="49" charset="0"/>
-                <a:cs typeface="Courier New" panose="02070309020205020404" pitchFamily="49" charset="0"/>
-              </a:rPr>
-              <a:t>      - name: nginx</a:t>
-            </a:r>
-          </a:p>
-          <a:p>
-            <a:r>
-              <a:rPr lang="en-US" sz="900" dirty="0">
-                <a:latin typeface="Courier New" panose="02070309020205020404" pitchFamily="49" charset="0"/>
-                <a:cs typeface="Courier New" panose="02070309020205020404" pitchFamily="49" charset="0"/>
-              </a:rPr>
-              <a:t>        image: </a:t>
-            </a:r>
-            <a:r>
-              <a:rPr lang="en-US" sz="900" dirty="0" err="1">
-                <a:latin typeface="Courier New" panose="02070309020205020404" pitchFamily="49" charset="0"/>
-                <a:cs typeface="Courier New" panose="02070309020205020404" pitchFamily="49" charset="0"/>
-              </a:rPr>
-              <a:t>nginx:latest</a:t>
-            </a:r>
-            <a:endParaRPr lang="en-US" sz="900" dirty="0">
-              <a:latin typeface="Courier New" panose="02070309020205020404" pitchFamily="49" charset="0"/>
-              <a:cs typeface="Courier New" panose="02070309020205020404" pitchFamily="49" charset="0"/>
-            </a:endParaRPr>
-          </a:p>
-          <a:p>
-            <a:r>
-              <a:rPr lang="en-US" sz="900" dirty="0">
-                <a:latin typeface="Courier New" panose="02070309020205020404" pitchFamily="49" charset="0"/>
-                <a:cs typeface="Courier New" panose="02070309020205020404" pitchFamily="49" charset="0"/>
-              </a:rPr>
-              <a:t>        ports:</a:t>
-            </a:r>
-          </a:p>
-          <a:p>
-            <a:r>
-              <a:rPr lang="en-US" sz="900" dirty="0">
-                <a:latin typeface="Courier New" panose="02070309020205020404" pitchFamily="49" charset="0"/>
-                <a:cs typeface="Courier New" panose="02070309020205020404" pitchFamily="49" charset="0"/>
-              </a:rPr>
-              <a:t>        - </a:t>
-            </a:r>
-            <a:r>
-              <a:rPr lang="en-US" sz="900" dirty="0" err="1">
-                <a:latin typeface="Courier New" panose="02070309020205020404" pitchFamily="49" charset="0"/>
-                <a:cs typeface="Courier New" panose="02070309020205020404" pitchFamily="49" charset="0"/>
-              </a:rPr>
-              <a:t>containerPort</a:t>
-            </a:r>
-            <a:r>
-              <a:rPr lang="en-US" sz="900" dirty="0">
-                <a:latin typeface="Courier New" panose="02070309020205020404" pitchFamily="49" charset="0"/>
-                <a:cs typeface="Courier New" panose="02070309020205020404" pitchFamily="49" charset="0"/>
-              </a:rPr>
-              <a:t>: 80</a:t>
-            </a:r>
-          </a:p>
-          <a:p>
-            <a:endParaRPr lang="en-US" dirty="0"/>
-          </a:p>
-          <a:p>
-            <a:endParaRPr lang="en-US" dirty="0"/>
-          </a:p>
-          <a:p>
-            <a:endParaRPr lang="en-US" dirty="0"/>
-          </a:p>
-          <a:p>
-            <a:endParaRPr lang="en-US" dirty="0"/>
-          </a:p>
-          <a:p>
-            <a:endParaRPr lang="en-US" dirty="0"/>
-          </a:p>
-          <a:p>
-            <a:endParaRPr lang="en-US" dirty="0"/>
-          </a:p>
-          <a:p>
-            <a:endParaRPr lang="it-IT" dirty="0"/>
-          </a:p>
-        </p:txBody>
-      </p:sp>
       <p:pic>
         <p:nvPicPr>
-          <p:cNvPr id="3" name="Immagine 2">
-            <a:extLst>
-              <a:ext uri="{FF2B5EF4-FFF2-40B4-BE49-F238E27FC236}">
-                <a16:creationId xmlns:a16="http://schemas.microsoft.com/office/drawing/2014/main" id="{02DE016B-F7D1-C59C-E4A0-DE2BD50A63FF}"/>
+          <p:cNvPr id="12" name="Immagine 11">
+            <a:extLst>
+              <a:ext uri="{FF2B5EF4-FFF2-40B4-BE49-F238E27FC236}">
+                <a16:creationId xmlns:a16="http://schemas.microsoft.com/office/drawing/2014/main" id="{2C854A4E-2809-580E-AE62-208A50CCF264}"/>
               </a:ext>
             </a:extLst>
           </p:cNvPr>
@@ -9253,8 +8683,8 @@
         </p:blipFill>
         <p:spPr>
           <a:xfrm>
-            <a:off x="1159029" y="3429000"/>
-            <a:ext cx="5877745" cy="533474"/>
+            <a:off x="6939479" y="2624160"/>
+            <a:ext cx="3962953" cy="390580"/>
           </a:xfrm>
           <a:prstGeom prst="rect">
             <a:avLst/>
@@ -9263,10 +8693,10 @@
       </p:pic>
       <p:pic>
         <p:nvPicPr>
-          <p:cNvPr id="5" name="Immagine 4">
-            <a:extLst>
-              <a:ext uri="{FF2B5EF4-FFF2-40B4-BE49-F238E27FC236}">
-                <a16:creationId xmlns:a16="http://schemas.microsoft.com/office/drawing/2014/main" id="{64DFAB14-5028-AF94-B4E7-489B04D090F5}"/>
+          <p:cNvPr id="14" name="Immagine 13">
+            <a:extLst>
+              <a:ext uri="{FF2B5EF4-FFF2-40B4-BE49-F238E27FC236}">
+                <a16:creationId xmlns:a16="http://schemas.microsoft.com/office/drawing/2014/main" id="{2B25FB1E-F1BD-78F7-41EF-43502EB95079}"/>
               </a:ext>
             </a:extLst>
           </p:cNvPr>
@@ -9283,18 +8713,525 @@
         </p:blipFill>
         <p:spPr>
           <a:xfrm>
-            <a:off x="1159029" y="2845230"/>
-            <a:ext cx="6706536" cy="543001"/>
+            <a:off x="6939479" y="3047946"/>
+            <a:ext cx="4553585" cy="381053"/>
           </a:xfrm>
           <a:prstGeom prst="rect">
             <a:avLst/>
           </a:prstGeom>
         </p:spPr>
       </p:pic>
+      <p:pic>
+        <p:nvPicPr>
+          <p:cNvPr id="16" name="Immagine 15">
+            <a:extLst>
+              <a:ext uri="{FF2B5EF4-FFF2-40B4-BE49-F238E27FC236}">
+                <a16:creationId xmlns:a16="http://schemas.microsoft.com/office/drawing/2014/main" id="{C61CB52E-A7B2-D8ED-98E1-F98E60E2C71C}"/>
+              </a:ext>
+            </a:extLst>
+          </p:cNvPr>
+          <p:cNvPicPr>
+            <a:picLocks noChangeAspect="1"/>
+          </p:cNvPicPr>
+          <p:nvPr/>
+        </p:nvPicPr>
+        <p:blipFill>
+          <a:blip r:embed="rId4"/>
+          <a:stretch>
+            <a:fillRect/>
+          </a:stretch>
+        </p:blipFill>
+        <p:spPr>
+          <a:xfrm>
+            <a:off x="6939479" y="3459105"/>
+            <a:ext cx="4382112" cy="371527"/>
+          </a:xfrm>
+          <a:prstGeom prst="rect">
+            <a:avLst/>
+          </a:prstGeom>
+        </p:spPr>
+      </p:pic>
+      <p:pic>
+        <p:nvPicPr>
+          <p:cNvPr id="19" name="Immagine 18">
+            <a:extLst>
+              <a:ext uri="{FF2B5EF4-FFF2-40B4-BE49-F238E27FC236}">
+                <a16:creationId xmlns:a16="http://schemas.microsoft.com/office/drawing/2014/main" id="{52330F60-F0C5-000A-38E9-33E93C6D3977}"/>
+              </a:ext>
+            </a:extLst>
+          </p:cNvPr>
+          <p:cNvPicPr>
+            <a:picLocks noChangeAspect="1"/>
+          </p:cNvPicPr>
+          <p:nvPr/>
+        </p:nvPicPr>
+        <p:blipFill>
+          <a:blip r:embed="rId5"/>
+          <a:stretch>
+            <a:fillRect/>
+          </a:stretch>
+        </p:blipFill>
+        <p:spPr>
+          <a:xfrm>
+            <a:off x="1152015" y="5632366"/>
+            <a:ext cx="5191850" cy="523948"/>
+          </a:xfrm>
+          <a:prstGeom prst="rect">
+            <a:avLst/>
+          </a:prstGeom>
+        </p:spPr>
+      </p:pic>
+      <p:pic>
+        <p:nvPicPr>
+          <p:cNvPr id="21" name="Immagine 20">
+            <a:extLst>
+              <a:ext uri="{FF2B5EF4-FFF2-40B4-BE49-F238E27FC236}">
+                <a16:creationId xmlns:a16="http://schemas.microsoft.com/office/drawing/2014/main" id="{7166CE40-8A1B-BD39-8C7F-9C947504B87A}"/>
+              </a:ext>
+            </a:extLst>
+          </p:cNvPr>
+          <p:cNvPicPr>
+            <a:picLocks noChangeAspect="1"/>
+          </p:cNvPicPr>
+          <p:nvPr/>
+        </p:nvPicPr>
+        <p:blipFill>
+          <a:blip r:embed="rId6"/>
+          <a:stretch>
+            <a:fillRect/>
+          </a:stretch>
+        </p:blipFill>
+        <p:spPr>
+          <a:xfrm>
+            <a:off x="1152015" y="5040756"/>
+            <a:ext cx="5315692" cy="533474"/>
+          </a:xfrm>
+          <a:prstGeom prst="rect">
+            <a:avLst/>
+          </a:prstGeom>
+        </p:spPr>
+      </p:pic>
+      <p:sp>
+        <p:nvSpPr>
+          <p:cNvPr id="3" name="CasellaDiTesto 2">
+            <a:extLst>
+              <a:ext uri="{FF2B5EF4-FFF2-40B4-BE49-F238E27FC236}">
+                <a16:creationId xmlns:a16="http://schemas.microsoft.com/office/drawing/2014/main" id="{C1966CCA-403F-75DF-62B4-49923A385509}"/>
+              </a:ext>
+            </a:extLst>
+          </p:cNvPr>
+          <p:cNvSpPr txBox="1"/>
+          <p:nvPr/>
+        </p:nvSpPr>
+        <p:spPr>
+          <a:xfrm>
+            <a:off x="1041662" y="1383086"/>
+            <a:ext cx="11055665" cy="5355312"/>
+          </a:xfrm>
+          <a:prstGeom prst="rect">
+            <a:avLst/>
+          </a:prstGeom>
+          <a:noFill/>
+        </p:spPr>
+        <p:txBody>
+          <a:bodyPr wrap="square">
+            <a:spAutoFit/>
+          </a:bodyPr>
+          <a:lstStyle/>
+          <a:p>
+            <a:r>
+              <a:rPr lang="it-IT" dirty="0"/>
+              <a:t>Vedi: </a:t>
+            </a:r>
+            <a:r>
+              <a:rPr lang="it-IT" dirty="0">
+                <a:hlinkClick r:id="rId7"/>
+              </a:rPr>
+              <a:t>https://computingforgeeks.com/deploy-kubernetes-cluster-on-linux-with-k0s/</a:t>
+            </a:r>
+            <a:endParaRPr lang="it-IT" dirty="0"/>
+          </a:p>
+          <a:p>
+            <a:r>
+              <a:rPr lang="it-IT" dirty="0">
+                <a:hlinkClick r:id="rId8"/>
+              </a:rPr>
+              <a:t>https://docs.k0sproject.io/v0.12.1/k0s-in-docker/</a:t>
+            </a:r>
+            <a:endParaRPr lang="it-IT" dirty="0"/>
+          </a:p>
+          <a:p>
+            <a:endParaRPr lang="it-IT" dirty="0"/>
+          </a:p>
+          <a:p>
+            <a:r>
+              <a:rPr lang="it-IT" dirty="0" err="1">
+                <a:latin typeface="Courier New" panose="02070309020205020404" pitchFamily="49" charset="0"/>
+                <a:cs typeface="Courier New" panose="02070309020205020404" pitchFamily="49" charset="0"/>
+              </a:rPr>
+              <a:t>docker</a:t>
+            </a:r>
+            <a:r>
+              <a:rPr lang="it-IT" dirty="0">
+                <a:latin typeface="Courier New" panose="02070309020205020404" pitchFamily="49" charset="0"/>
+                <a:cs typeface="Courier New" panose="02070309020205020404" pitchFamily="49" charset="0"/>
+              </a:rPr>
+              <a:t> </a:t>
+            </a:r>
+            <a:r>
+              <a:rPr lang="it-IT" dirty="0" err="1">
+                <a:latin typeface="Courier New" panose="02070309020205020404" pitchFamily="49" charset="0"/>
+                <a:cs typeface="Courier New" panose="02070309020205020404" pitchFamily="49" charset="0"/>
+              </a:rPr>
+              <a:t>run</a:t>
+            </a:r>
+            <a:r>
+              <a:rPr lang="it-IT" dirty="0">
+                <a:latin typeface="Courier New" panose="02070309020205020404" pitchFamily="49" charset="0"/>
+                <a:cs typeface="Courier New" panose="02070309020205020404" pitchFamily="49" charset="0"/>
+              </a:rPr>
+              <a:t> -d --name k0s --</a:t>
+            </a:r>
+            <a:r>
+              <a:rPr lang="it-IT" dirty="0" err="1">
+                <a:latin typeface="Courier New" panose="02070309020205020404" pitchFamily="49" charset="0"/>
+                <a:cs typeface="Courier New" panose="02070309020205020404" pitchFamily="49" charset="0"/>
+              </a:rPr>
+              <a:t>hostname</a:t>
+            </a:r>
+            <a:r>
+              <a:rPr lang="it-IT" dirty="0">
+                <a:latin typeface="Courier New" panose="02070309020205020404" pitchFamily="49" charset="0"/>
+                <a:cs typeface="Courier New" panose="02070309020205020404" pitchFamily="49" charset="0"/>
+              </a:rPr>
+              <a:t> k0s --</a:t>
+            </a:r>
+            <a:r>
+              <a:rPr lang="it-IT" dirty="0" err="1">
+                <a:latin typeface="Courier New" panose="02070309020205020404" pitchFamily="49" charset="0"/>
+                <a:cs typeface="Courier New" panose="02070309020205020404" pitchFamily="49" charset="0"/>
+              </a:rPr>
+              <a:t>privileged</a:t>
+            </a:r>
+            <a:r>
+              <a:rPr lang="it-IT" dirty="0">
+                <a:latin typeface="Courier New" panose="02070309020205020404" pitchFamily="49" charset="0"/>
+                <a:cs typeface="Courier New" panose="02070309020205020404" pitchFamily="49" charset="0"/>
+              </a:rPr>
+              <a:t> -v /var/</a:t>
+            </a:r>
+            <a:r>
+              <a:rPr lang="it-IT" dirty="0" err="1">
+                <a:latin typeface="Courier New" panose="02070309020205020404" pitchFamily="49" charset="0"/>
+                <a:cs typeface="Courier New" panose="02070309020205020404" pitchFamily="49" charset="0"/>
+              </a:rPr>
+              <a:t>lib</a:t>
+            </a:r>
+            <a:r>
+              <a:rPr lang="it-IT" dirty="0">
+                <a:latin typeface="Courier New" panose="02070309020205020404" pitchFamily="49" charset="0"/>
+                <a:cs typeface="Courier New" panose="02070309020205020404" pitchFamily="49" charset="0"/>
+              </a:rPr>
+              <a:t>/k0s -p 6443:6443 </a:t>
+            </a:r>
+            <a:r>
+              <a:rPr lang="it-IT" dirty="0" err="1">
+                <a:latin typeface="Courier New" panose="02070309020205020404" pitchFamily="49" charset="0"/>
+                <a:cs typeface="Courier New" panose="02070309020205020404" pitchFamily="49" charset="0"/>
+              </a:rPr>
+              <a:t>docker.io</a:t>
+            </a:r>
+            <a:r>
+              <a:rPr lang="it-IT" dirty="0">
+                <a:latin typeface="Courier New" panose="02070309020205020404" pitchFamily="49" charset="0"/>
+                <a:cs typeface="Courier New" panose="02070309020205020404" pitchFamily="49" charset="0"/>
+              </a:rPr>
+              <a:t>/k0sproject/k0s:latest</a:t>
+            </a:r>
+          </a:p>
+          <a:p>
+            <a:endParaRPr lang="it-IT" dirty="0">
+              <a:latin typeface="Courier New" panose="02070309020205020404" pitchFamily="49" charset="0"/>
+              <a:cs typeface="Courier New" panose="02070309020205020404" pitchFamily="49" charset="0"/>
+            </a:endParaRPr>
+          </a:p>
+          <a:p>
+            <a:r>
+              <a:rPr lang="en-US" dirty="0">
+                <a:latin typeface="Courier New" panose="02070309020205020404" pitchFamily="49" charset="0"/>
+                <a:cs typeface="Courier New" panose="02070309020205020404" pitchFamily="49" charset="0"/>
+              </a:rPr>
+              <a:t>docker exec k0s </a:t>
+            </a:r>
+            <a:r>
+              <a:rPr lang="en-US" dirty="0" err="1">
+                <a:latin typeface="Courier New" panose="02070309020205020404" pitchFamily="49" charset="0"/>
+                <a:cs typeface="Courier New" panose="02070309020205020404" pitchFamily="49" charset="0"/>
+              </a:rPr>
+              <a:t>kubectl</a:t>
+            </a:r>
+            <a:r>
+              <a:rPr lang="en-US" dirty="0">
+                <a:latin typeface="Courier New" panose="02070309020205020404" pitchFamily="49" charset="0"/>
+                <a:cs typeface="Courier New" panose="02070309020205020404" pitchFamily="49" charset="0"/>
+              </a:rPr>
+              <a:t> get nodes</a:t>
+            </a:r>
+          </a:p>
+          <a:p>
+            <a:endParaRPr lang="it-IT" dirty="0">
+              <a:latin typeface="Courier New" panose="02070309020205020404" pitchFamily="49" charset="0"/>
+              <a:cs typeface="Courier New" panose="02070309020205020404" pitchFamily="49" charset="0"/>
+            </a:endParaRPr>
+          </a:p>
+          <a:p>
+            <a:endParaRPr lang="it-IT" dirty="0">
+              <a:latin typeface="Courier New" panose="02070309020205020404" pitchFamily="49" charset="0"/>
+              <a:cs typeface="Courier New" panose="02070309020205020404" pitchFamily="49" charset="0"/>
+            </a:endParaRPr>
+          </a:p>
+          <a:p>
+            <a:r>
+              <a:rPr lang="it-IT" dirty="0">
+                <a:latin typeface="Courier New" panose="02070309020205020404" pitchFamily="49" charset="0"/>
+                <a:cs typeface="Courier New" panose="02070309020205020404" pitchFamily="49" charset="0"/>
+              </a:rPr>
+              <a:t>token=$(</a:t>
+            </a:r>
+            <a:r>
+              <a:rPr lang="it-IT" dirty="0" err="1">
+                <a:latin typeface="Courier New" panose="02070309020205020404" pitchFamily="49" charset="0"/>
+                <a:cs typeface="Courier New" panose="02070309020205020404" pitchFamily="49" charset="0"/>
+              </a:rPr>
+              <a:t>docker</a:t>
+            </a:r>
+            <a:r>
+              <a:rPr lang="it-IT" dirty="0">
+                <a:latin typeface="Courier New" panose="02070309020205020404" pitchFamily="49" charset="0"/>
+                <a:cs typeface="Courier New" panose="02070309020205020404" pitchFamily="49" charset="0"/>
+              </a:rPr>
+              <a:t> </a:t>
+            </a:r>
+            <a:r>
+              <a:rPr lang="it-IT" dirty="0" err="1">
+                <a:latin typeface="Courier New" panose="02070309020205020404" pitchFamily="49" charset="0"/>
+                <a:cs typeface="Courier New" panose="02070309020205020404" pitchFamily="49" charset="0"/>
+              </a:rPr>
+              <a:t>exec</a:t>
+            </a:r>
+            <a:r>
+              <a:rPr lang="it-IT" dirty="0">
+                <a:latin typeface="Courier New" panose="02070309020205020404" pitchFamily="49" charset="0"/>
+                <a:cs typeface="Courier New" panose="02070309020205020404" pitchFamily="49" charset="0"/>
+              </a:rPr>
+              <a:t> -t -i k0s </a:t>
+            </a:r>
+            <a:r>
+              <a:rPr lang="it-IT" dirty="0" err="1">
+                <a:latin typeface="Courier New" panose="02070309020205020404" pitchFamily="49" charset="0"/>
+                <a:cs typeface="Courier New" panose="02070309020205020404" pitchFamily="49" charset="0"/>
+              </a:rPr>
+              <a:t>k0s</a:t>
+            </a:r>
+            <a:r>
+              <a:rPr lang="it-IT" dirty="0">
+                <a:latin typeface="Courier New" panose="02070309020205020404" pitchFamily="49" charset="0"/>
+                <a:cs typeface="Courier New" panose="02070309020205020404" pitchFamily="49" charset="0"/>
+              </a:rPr>
+              <a:t> token create --</a:t>
+            </a:r>
+            <a:r>
+              <a:rPr lang="it-IT" dirty="0" err="1">
+                <a:latin typeface="Courier New" panose="02070309020205020404" pitchFamily="49" charset="0"/>
+                <a:cs typeface="Courier New" panose="02070309020205020404" pitchFamily="49" charset="0"/>
+              </a:rPr>
+              <a:t>role</a:t>
+            </a:r>
+            <a:r>
+              <a:rPr lang="it-IT" dirty="0">
+                <a:latin typeface="Courier New" panose="02070309020205020404" pitchFamily="49" charset="0"/>
+                <a:cs typeface="Courier New" panose="02070309020205020404" pitchFamily="49" charset="0"/>
+              </a:rPr>
+              <a:t>=worker)</a:t>
+            </a:r>
+            <a:endParaRPr lang="en-US" dirty="0">
+              <a:latin typeface="Courier New" panose="02070309020205020404" pitchFamily="49" charset="0"/>
+              <a:cs typeface="Courier New" panose="02070309020205020404" pitchFamily="49" charset="0"/>
+            </a:endParaRPr>
+          </a:p>
+          <a:p>
+            <a:endParaRPr lang="it-IT" dirty="0">
+              <a:latin typeface="Courier New" panose="02070309020205020404" pitchFamily="49" charset="0"/>
+              <a:cs typeface="Courier New" panose="02070309020205020404" pitchFamily="49" charset="0"/>
+            </a:endParaRPr>
+          </a:p>
+          <a:p>
+            <a:r>
+              <a:rPr lang="it-IT" dirty="0" err="1">
+                <a:latin typeface="Courier New" panose="02070309020205020404" pitchFamily="49" charset="0"/>
+                <a:cs typeface="Courier New" panose="02070309020205020404" pitchFamily="49" charset="0"/>
+              </a:rPr>
+              <a:t>docker</a:t>
+            </a:r>
+            <a:r>
+              <a:rPr lang="it-IT" dirty="0">
+                <a:latin typeface="Courier New" panose="02070309020205020404" pitchFamily="49" charset="0"/>
+                <a:cs typeface="Courier New" panose="02070309020205020404" pitchFamily="49" charset="0"/>
+              </a:rPr>
+              <a:t> </a:t>
+            </a:r>
+            <a:r>
+              <a:rPr lang="it-IT" dirty="0" err="1">
+                <a:latin typeface="Courier New" panose="02070309020205020404" pitchFamily="49" charset="0"/>
+                <a:cs typeface="Courier New" panose="02070309020205020404" pitchFamily="49" charset="0"/>
+              </a:rPr>
+              <a:t>run</a:t>
+            </a:r>
+            <a:r>
+              <a:rPr lang="it-IT" dirty="0">
+                <a:latin typeface="Courier New" panose="02070309020205020404" pitchFamily="49" charset="0"/>
+                <a:cs typeface="Courier New" panose="02070309020205020404" pitchFamily="49" charset="0"/>
+              </a:rPr>
+              <a:t> -d --name k0s-worker1 --</a:t>
+            </a:r>
+            <a:r>
+              <a:rPr lang="it-IT" dirty="0" err="1">
+                <a:latin typeface="Courier New" panose="02070309020205020404" pitchFamily="49" charset="0"/>
+                <a:cs typeface="Courier New" panose="02070309020205020404" pitchFamily="49" charset="0"/>
+              </a:rPr>
+              <a:t>hostname</a:t>
+            </a:r>
+            <a:r>
+              <a:rPr lang="it-IT" dirty="0">
+                <a:latin typeface="Courier New" panose="02070309020205020404" pitchFamily="49" charset="0"/>
+                <a:cs typeface="Courier New" panose="02070309020205020404" pitchFamily="49" charset="0"/>
+              </a:rPr>
+              <a:t> k0s-worker1 --</a:t>
+            </a:r>
+            <a:r>
+              <a:rPr lang="it-IT" dirty="0" err="1">
+                <a:latin typeface="Courier New" panose="02070309020205020404" pitchFamily="49" charset="0"/>
+                <a:cs typeface="Courier New" panose="02070309020205020404" pitchFamily="49" charset="0"/>
+              </a:rPr>
+              <a:t>privileged</a:t>
+            </a:r>
+            <a:r>
+              <a:rPr lang="it-IT" dirty="0">
+                <a:latin typeface="Courier New" panose="02070309020205020404" pitchFamily="49" charset="0"/>
+                <a:cs typeface="Courier New" panose="02070309020205020404" pitchFamily="49" charset="0"/>
+              </a:rPr>
+              <a:t> -v /var/</a:t>
+            </a:r>
+            <a:r>
+              <a:rPr lang="it-IT" dirty="0" err="1">
+                <a:latin typeface="Courier New" panose="02070309020205020404" pitchFamily="49" charset="0"/>
+                <a:cs typeface="Courier New" panose="02070309020205020404" pitchFamily="49" charset="0"/>
+              </a:rPr>
+              <a:t>lib</a:t>
+            </a:r>
+            <a:r>
+              <a:rPr lang="it-IT" dirty="0">
+                <a:latin typeface="Courier New" panose="02070309020205020404" pitchFamily="49" charset="0"/>
+                <a:cs typeface="Courier New" panose="02070309020205020404" pitchFamily="49" charset="0"/>
+              </a:rPr>
+              <a:t>/k0s </a:t>
+            </a:r>
+            <a:r>
+              <a:rPr lang="it-IT" dirty="0" err="1">
+                <a:latin typeface="Courier New" panose="02070309020205020404" pitchFamily="49" charset="0"/>
+                <a:cs typeface="Courier New" panose="02070309020205020404" pitchFamily="49" charset="0"/>
+              </a:rPr>
+              <a:t>docker.io</a:t>
+            </a:r>
+            <a:r>
+              <a:rPr lang="it-IT" dirty="0">
+                <a:latin typeface="Courier New" panose="02070309020205020404" pitchFamily="49" charset="0"/>
+                <a:cs typeface="Courier New" panose="02070309020205020404" pitchFamily="49" charset="0"/>
+              </a:rPr>
+              <a:t>/k0sproject/k0s:latest k0s worker $token</a:t>
+            </a:r>
+          </a:p>
+          <a:p>
+            <a:endParaRPr lang="it-IT" dirty="0">
+              <a:latin typeface="Courier New" panose="02070309020205020404" pitchFamily="49" charset="0"/>
+              <a:cs typeface="Courier New" panose="02070309020205020404" pitchFamily="49" charset="0"/>
+            </a:endParaRPr>
+          </a:p>
+          <a:p>
+            <a:endParaRPr lang="it-IT" dirty="0">
+              <a:latin typeface="Courier New" panose="02070309020205020404" pitchFamily="49" charset="0"/>
+              <a:cs typeface="Courier New" panose="02070309020205020404" pitchFamily="49" charset="0"/>
+            </a:endParaRPr>
+          </a:p>
+          <a:p>
+            <a:endParaRPr lang="it-IT" dirty="0">
+              <a:latin typeface="Courier New" panose="02070309020205020404" pitchFamily="49" charset="0"/>
+              <a:cs typeface="Courier New" panose="02070309020205020404" pitchFamily="49" charset="0"/>
+            </a:endParaRPr>
+          </a:p>
+          <a:p>
+            <a:endParaRPr lang="it-IT" dirty="0">
+              <a:latin typeface="Courier New" panose="02070309020205020404" pitchFamily="49" charset="0"/>
+              <a:cs typeface="Courier New" panose="02070309020205020404" pitchFamily="49" charset="0"/>
+            </a:endParaRPr>
+          </a:p>
+          <a:p>
+            <a:endParaRPr lang="it-IT" dirty="0">
+              <a:latin typeface="Courier New" panose="02070309020205020404" pitchFamily="49" charset="0"/>
+              <a:cs typeface="Courier New" panose="02070309020205020404" pitchFamily="49" charset="0"/>
+            </a:endParaRPr>
+          </a:p>
+          <a:p>
+            <a:r>
+              <a:rPr lang="it-IT" dirty="0" err="1">
+                <a:latin typeface="Courier New" panose="02070309020205020404" pitchFamily="49" charset="0"/>
+                <a:cs typeface="Courier New" panose="02070309020205020404" pitchFamily="49" charset="0"/>
+              </a:rPr>
+              <a:t>docker</a:t>
+            </a:r>
+            <a:r>
+              <a:rPr lang="it-IT" dirty="0">
+                <a:latin typeface="Courier New" panose="02070309020205020404" pitchFamily="49" charset="0"/>
+                <a:cs typeface="Courier New" panose="02070309020205020404" pitchFamily="49" charset="0"/>
+              </a:rPr>
+              <a:t> </a:t>
+            </a:r>
+            <a:r>
+              <a:rPr lang="it-IT" dirty="0" err="1">
+                <a:latin typeface="Courier New" panose="02070309020205020404" pitchFamily="49" charset="0"/>
+                <a:cs typeface="Courier New" panose="02070309020205020404" pitchFamily="49" charset="0"/>
+              </a:rPr>
+              <a:t>exec</a:t>
+            </a:r>
+            <a:r>
+              <a:rPr lang="it-IT" dirty="0">
+                <a:latin typeface="Courier New" panose="02070309020205020404" pitchFamily="49" charset="0"/>
+                <a:cs typeface="Courier New" panose="02070309020205020404" pitchFamily="49" charset="0"/>
+              </a:rPr>
+              <a:t> k0s </a:t>
+            </a:r>
+            <a:r>
+              <a:rPr lang="it-IT" dirty="0" err="1">
+                <a:latin typeface="Courier New" panose="02070309020205020404" pitchFamily="49" charset="0"/>
+                <a:cs typeface="Courier New" panose="02070309020205020404" pitchFamily="49" charset="0"/>
+              </a:rPr>
+              <a:t>k0s</a:t>
+            </a:r>
+            <a:r>
+              <a:rPr lang="it-IT" dirty="0">
+                <a:latin typeface="Courier New" panose="02070309020205020404" pitchFamily="49" charset="0"/>
+                <a:cs typeface="Courier New" panose="02070309020205020404" pitchFamily="49" charset="0"/>
+              </a:rPr>
+              <a:t> status</a:t>
+            </a:r>
+            <a:endParaRPr lang="it-IT" dirty="0"/>
+          </a:p>
+        </p:txBody>
+      </p:sp>
     </p:spTree>
     <p:extLst>
       <p:ext uri="{BB962C8B-B14F-4D97-AF65-F5344CB8AC3E}">
-        <p14:creationId xmlns:p14="http://schemas.microsoft.com/office/powerpoint/2010/main" val="3690179719"/>
+        <p14:creationId xmlns:p14="http://schemas.microsoft.com/office/powerpoint/2010/main" val="2948332786"/>
       </p:ext>
     </p:extLst>
   </p:cSld>
@@ -9355,7 +9292,7 @@
             </a:r>
             <a:r>
               <a:rPr lang="it-IT" dirty="0"/>
-              <a:t>(3/3)</a:t>
+              <a:t>(3/4)</a:t>
             </a:r>
           </a:p>
         </p:txBody>
@@ -9428,8 +9365,8 @@
         </p:nvSpPr>
         <p:spPr>
           <a:xfrm>
-            <a:off x="1041662" y="1383086"/>
-            <a:ext cx="11055665" cy="4216539"/>
+            <a:off x="1041663" y="1072002"/>
+            <a:ext cx="11055665" cy="7694414"/>
           </a:xfrm>
           <a:prstGeom prst="rect">
             <a:avLst/>
@@ -9443,151 +9380,11 @@
           <a:lstStyle/>
           <a:p>
             <a:r>
-              <a:rPr lang="en-US" dirty="0"/>
-              <a:t>Dal docker engine:</a:t>
-            </a:r>
-          </a:p>
-          <a:p>
-            <a:r>
-              <a:rPr lang="it-IT" sz="1600" dirty="0" err="1">
-                <a:latin typeface="Courier New" panose="02070309020205020404" pitchFamily="49" charset="0"/>
-                <a:cs typeface="Courier New" panose="02070309020205020404" pitchFamily="49" charset="0"/>
-              </a:rPr>
-              <a:t>docker</a:t>
-            </a:r>
-            <a:r>
-              <a:rPr lang="it-IT" sz="1600" dirty="0">
-                <a:latin typeface="Courier New" panose="02070309020205020404" pitchFamily="49" charset="0"/>
-                <a:cs typeface="Courier New" panose="02070309020205020404" pitchFamily="49" charset="0"/>
-              </a:rPr>
-              <a:t> </a:t>
-            </a:r>
-            <a:r>
-              <a:rPr lang="it-IT" sz="1600" dirty="0" err="1">
-                <a:latin typeface="Courier New" panose="02070309020205020404" pitchFamily="49" charset="0"/>
-                <a:cs typeface="Courier New" panose="02070309020205020404" pitchFamily="49" charset="0"/>
-              </a:rPr>
-              <a:t>exec</a:t>
-            </a:r>
-            <a:r>
-              <a:rPr lang="it-IT" sz="1600" dirty="0">
-                <a:latin typeface="Courier New" panose="02070309020205020404" pitchFamily="49" charset="0"/>
-                <a:cs typeface="Courier New" panose="02070309020205020404" pitchFamily="49" charset="0"/>
-              </a:rPr>
-              <a:t> k0s </a:t>
-            </a:r>
-            <a:r>
-              <a:rPr lang="it-IT" sz="1600" dirty="0" err="1">
-                <a:latin typeface="Courier New" panose="02070309020205020404" pitchFamily="49" charset="0"/>
-                <a:cs typeface="Courier New" panose="02070309020205020404" pitchFamily="49" charset="0"/>
-              </a:rPr>
-              <a:t>kubectl</a:t>
-            </a:r>
-            <a:r>
-              <a:rPr lang="it-IT" sz="1600" dirty="0">
-                <a:latin typeface="Courier New" panose="02070309020205020404" pitchFamily="49" charset="0"/>
-                <a:cs typeface="Courier New" panose="02070309020205020404" pitchFamily="49" charset="0"/>
-              </a:rPr>
-              <a:t> </a:t>
-            </a:r>
-            <a:r>
-              <a:rPr lang="it-IT" sz="1600" dirty="0" err="1">
-                <a:latin typeface="Courier New" panose="02070309020205020404" pitchFamily="49" charset="0"/>
-                <a:cs typeface="Courier New" panose="02070309020205020404" pitchFamily="49" charset="0"/>
-              </a:rPr>
-              <a:t>expose</a:t>
-            </a:r>
-            <a:r>
-              <a:rPr lang="it-IT" sz="1600" dirty="0">
-                <a:latin typeface="Courier New" panose="02070309020205020404" pitchFamily="49" charset="0"/>
-                <a:cs typeface="Courier New" panose="02070309020205020404" pitchFamily="49" charset="0"/>
-              </a:rPr>
-              <a:t> deployment </a:t>
-            </a:r>
-            <a:r>
-              <a:rPr lang="it-IT" sz="1600" dirty="0" err="1">
-                <a:latin typeface="Courier New" panose="02070309020205020404" pitchFamily="49" charset="0"/>
-                <a:cs typeface="Courier New" panose="02070309020205020404" pitchFamily="49" charset="0"/>
-              </a:rPr>
-              <a:t>nginx</a:t>
-            </a:r>
-            <a:r>
-              <a:rPr lang="it-IT" sz="1600" dirty="0">
-                <a:latin typeface="Courier New" panose="02070309020205020404" pitchFamily="49" charset="0"/>
-                <a:cs typeface="Courier New" panose="02070309020205020404" pitchFamily="49" charset="0"/>
-              </a:rPr>
-              <a:t>-deployment --</a:t>
-            </a:r>
-            <a:r>
-              <a:rPr lang="it-IT" sz="1600" dirty="0" err="1">
-                <a:latin typeface="Courier New" panose="02070309020205020404" pitchFamily="49" charset="0"/>
-                <a:cs typeface="Courier New" panose="02070309020205020404" pitchFamily="49" charset="0"/>
-              </a:rPr>
-              <a:t>type</a:t>
-            </a:r>
-            <a:r>
-              <a:rPr lang="it-IT" sz="1600" dirty="0">
-                <a:latin typeface="Courier New" panose="02070309020205020404" pitchFamily="49" charset="0"/>
-                <a:cs typeface="Courier New" panose="02070309020205020404" pitchFamily="49" charset="0"/>
-              </a:rPr>
-              <a:t>=</a:t>
-            </a:r>
-            <a:r>
-              <a:rPr lang="it-IT" sz="1600" dirty="0" err="1">
-                <a:latin typeface="Courier New" panose="02070309020205020404" pitchFamily="49" charset="0"/>
-                <a:cs typeface="Courier New" panose="02070309020205020404" pitchFamily="49" charset="0"/>
-              </a:rPr>
-              <a:t>NodePort</a:t>
-            </a:r>
-            <a:r>
-              <a:rPr lang="it-IT" sz="1600" dirty="0">
-                <a:latin typeface="Courier New" panose="02070309020205020404" pitchFamily="49" charset="0"/>
-                <a:cs typeface="Courier New" panose="02070309020205020404" pitchFamily="49" charset="0"/>
-              </a:rPr>
-              <a:t> --port=80</a:t>
-            </a:r>
-          </a:p>
-          <a:p>
-            <a:endParaRPr lang="it-IT" dirty="0"/>
-          </a:p>
-          <a:p>
-            <a:r>
-              <a:rPr lang="it-IT" dirty="0"/>
-              <a:t>Usando anche l'opzione --target-port impostiamo la porta da esporre fuori dal cluster, altrimenti è scelta da </a:t>
-            </a:r>
-            <a:r>
-              <a:rPr lang="it-IT" dirty="0" err="1"/>
-              <a:t>Kubernetes</a:t>
-            </a:r>
-            <a:r>
-              <a:rPr lang="it-IT" dirty="0"/>
-              <a:t>.</a:t>
-            </a:r>
-          </a:p>
-          <a:p>
-            <a:endParaRPr lang="it-IT" dirty="0"/>
-          </a:p>
-          <a:p>
-            <a:r>
               <a:rPr lang="en-US" dirty="0">
                 <a:latin typeface="Courier New" panose="02070309020205020404" pitchFamily="49" charset="0"/>
                 <a:cs typeface="Courier New" panose="02070309020205020404" pitchFamily="49" charset="0"/>
               </a:rPr>
-              <a:t>docker exec k0s </a:t>
-            </a:r>
-            <a:r>
-              <a:rPr lang="en-US" dirty="0" err="1">
-                <a:latin typeface="Courier New" panose="02070309020205020404" pitchFamily="49" charset="0"/>
-                <a:cs typeface="Courier New" panose="02070309020205020404" pitchFamily="49" charset="0"/>
-              </a:rPr>
-              <a:t>kubectl</a:t>
-            </a:r>
-            <a:r>
-              <a:rPr lang="en-US" dirty="0">
-                <a:latin typeface="Courier New" panose="02070309020205020404" pitchFamily="49" charset="0"/>
-                <a:cs typeface="Courier New" panose="02070309020205020404" pitchFamily="49" charset="0"/>
-              </a:rPr>
-              <a:t> get services</a:t>
+              <a:t>docker exec -it k0s /bin/bash</a:t>
             </a:r>
             <a:endParaRPr lang="it-IT" dirty="0">
               <a:latin typeface="Courier New" panose="02070309020205020404" pitchFamily="49" charset="0"/>
@@ -9595,66 +9392,6 @@
             </a:endParaRPr>
           </a:p>
           <a:p>
-            <a:r>
-              <a:rPr lang="it-IT" dirty="0" err="1">
-                <a:latin typeface="Courier New" panose="02070309020205020404" pitchFamily="49" charset="0"/>
-                <a:cs typeface="Courier New" panose="02070309020205020404" pitchFamily="49" charset="0"/>
-              </a:rPr>
-              <a:t>curl</a:t>
-            </a:r>
-            <a:r>
-              <a:rPr lang="it-IT" dirty="0">
-                <a:latin typeface="Courier New" panose="02070309020205020404" pitchFamily="49" charset="0"/>
-                <a:cs typeface="Courier New" panose="02070309020205020404" pitchFamily="49" charset="0"/>
-              </a:rPr>
-              <a:t> &lt;</a:t>
-            </a:r>
-            <a:r>
-              <a:rPr lang="it-IT" dirty="0" err="1">
-                <a:latin typeface="Courier New" panose="02070309020205020404" pitchFamily="49" charset="0"/>
-                <a:cs typeface="Courier New" panose="02070309020205020404" pitchFamily="49" charset="0"/>
-              </a:rPr>
-              <a:t>Ipcontroller</a:t>
-            </a:r>
-            <a:r>
-              <a:rPr lang="it-IT" dirty="0">
-                <a:latin typeface="Courier New" panose="02070309020205020404" pitchFamily="49" charset="0"/>
-                <a:cs typeface="Courier New" panose="02070309020205020404" pitchFamily="49" charset="0"/>
-              </a:rPr>
-              <a:t>&gt;:&lt;</a:t>
-            </a:r>
-            <a:r>
-              <a:rPr lang="it-IT" dirty="0" err="1">
-                <a:latin typeface="Courier New" panose="02070309020205020404" pitchFamily="49" charset="0"/>
-                <a:cs typeface="Courier New" panose="02070309020205020404" pitchFamily="49" charset="0"/>
-              </a:rPr>
-              <a:t>portaEspostaDalServizio</a:t>
-            </a:r>
-            <a:r>
-              <a:rPr lang="it-IT" dirty="0">
-                <a:latin typeface="Courier New" panose="02070309020205020404" pitchFamily="49" charset="0"/>
-                <a:cs typeface="Courier New" panose="02070309020205020404" pitchFamily="49" charset="0"/>
-              </a:rPr>
-              <a:t>&gt;</a:t>
-            </a:r>
-          </a:p>
-          <a:p>
-            <a:r>
-              <a:rPr lang="it-IT" dirty="0" err="1">
-                <a:latin typeface="Courier New" panose="02070309020205020404" pitchFamily="49" charset="0"/>
-                <a:cs typeface="Courier New" panose="02070309020205020404" pitchFamily="49" charset="0"/>
-              </a:rPr>
-              <a:t>curl</a:t>
-            </a:r>
-            <a:r>
-              <a:rPr lang="it-IT" dirty="0">
-                <a:latin typeface="Courier New" panose="02070309020205020404" pitchFamily="49" charset="0"/>
-                <a:cs typeface="Courier New" panose="02070309020205020404" pitchFamily="49" charset="0"/>
-              </a:rPr>
-              <a:t> 172.17.0.20:31819 </a:t>
-            </a:r>
-          </a:p>
-          <a:p>
             <a:endParaRPr lang="it-IT" dirty="0">
               <a:latin typeface="Courier New" panose="02070309020205020404" pitchFamily="49" charset="0"/>
               <a:cs typeface="Courier New" panose="02070309020205020404" pitchFamily="49" charset="0"/>
@@ -9662,48 +9399,409 @@
           </a:p>
           <a:p>
             <a:r>
+              <a:rPr lang="it-IT" dirty="0">
+                <a:latin typeface="Courier New" panose="02070309020205020404" pitchFamily="49" charset="0"/>
+                <a:cs typeface="Courier New" panose="02070309020205020404" pitchFamily="49" charset="0"/>
+              </a:rPr>
+              <a:t>vi </a:t>
+            </a:r>
+            <a:r>
+              <a:rPr lang="it-IT" dirty="0" err="1">
+                <a:latin typeface="Courier New" panose="02070309020205020404" pitchFamily="49" charset="0"/>
+                <a:cs typeface="Courier New" panose="02070309020205020404" pitchFamily="49" charset="0"/>
+              </a:rPr>
+              <a:t>deployNginx.yaml</a:t>
+            </a:r>
+            <a:endParaRPr lang="it-IT" dirty="0">
+              <a:latin typeface="Courier New" panose="02070309020205020404" pitchFamily="49" charset="0"/>
+              <a:cs typeface="Courier New" panose="02070309020205020404" pitchFamily="49" charset="0"/>
+            </a:endParaRPr>
+          </a:p>
+          <a:p>
+            <a:endParaRPr lang="it-IT" dirty="0"/>
+          </a:p>
+          <a:p>
+            <a:r>
               <a:rPr lang="it-IT" dirty="0"/>
-              <a:t>Verificare che sia visualizzata la pagina di default di </a:t>
+              <a:t>da dentro al </a:t>
             </a:r>
             <a:r>
               <a:rPr lang="it-IT" dirty="0" err="1"/>
-              <a:t>Nginx</a:t>
+              <a:t>docker</a:t>
             </a:r>
             <a:r>
               <a:rPr lang="it-IT" dirty="0"/>
-              <a:t>.</a:t>
-            </a:r>
-          </a:p>
-          <a:p>
-            <a:r>
-              <a:rPr lang="it-IT" dirty="0"/>
-              <a:t>Ci sono diverse alternative per pubblicare il servizio con </a:t>
-            </a:r>
-            <a:r>
-              <a:rPr lang="it-IT" dirty="0" err="1"/>
-              <a:t>Kubernetes</a:t>
-            </a:r>
-            <a:r>
-              <a:rPr lang="it-IT"/>
-              <a:t>.</a:t>
-            </a:r>
+              <a:t> controller:</a:t>
+            </a:r>
+          </a:p>
+          <a:p>
+            <a:r>
+              <a:rPr lang="en-US" dirty="0">
+                <a:latin typeface="Courier New" panose="02070309020205020404" pitchFamily="49" charset="0"/>
+                <a:cs typeface="Courier New" panose="02070309020205020404" pitchFamily="49" charset="0"/>
+              </a:rPr>
+              <a:t>k0s </a:t>
+            </a:r>
+            <a:r>
+              <a:rPr lang="en-US" dirty="0" err="1">
+                <a:latin typeface="Courier New" panose="02070309020205020404" pitchFamily="49" charset="0"/>
+                <a:cs typeface="Courier New" panose="02070309020205020404" pitchFamily="49" charset="0"/>
+              </a:rPr>
+              <a:t>kubectl</a:t>
+            </a:r>
+            <a:r>
+              <a:rPr lang="en-US" dirty="0">
+                <a:latin typeface="Courier New" panose="02070309020205020404" pitchFamily="49" charset="0"/>
+                <a:cs typeface="Courier New" panose="02070309020205020404" pitchFamily="49" charset="0"/>
+              </a:rPr>
+              <a:t> apply -f </a:t>
+            </a:r>
+            <a:r>
+              <a:rPr lang="en-US" dirty="0" err="1">
+                <a:latin typeface="Courier New" panose="02070309020205020404" pitchFamily="49" charset="0"/>
+                <a:cs typeface="Courier New" panose="02070309020205020404" pitchFamily="49" charset="0"/>
+              </a:rPr>
+              <a:t>deployNginx.yaml</a:t>
+            </a:r>
+            <a:endParaRPr lang="en-US" dirty="0">
+              <a:latin typeface="Courier New" panose="02070309020205020404" pitchFamily="49" charset="0"/>
+              <a:cs typeface="Courier New" panose="02070309020205020404" pitchFamily="49" charset="0"/>
+            </a:endParaRPr>
+          </a:p>
+          <a:p>
+            <a:endParaRPr lang="en-US" dirty="0">
+              <a:latin typeface="Courier New" panose="02070309020205020404" pitchFamily="49" charset="0"/>
+              <a:cs typeface="Courier New" panose="02070309020205020404" pitchFamily="49" charset="0"/>
+            </a:endParaRPr>
+          </a:p>
+          <a:p>
+            <a:endParaRPr lang="en-US" dirty="0">
+              <a:latin typeface="Courier New" panose="02070309020205020404" pitchFamily="49" charset="0"/>
+              <a:cs typeface="Courier New" panose="02070309020205020404" pitchFamily="49" charset="0"/>
+            </a:endParaRPr>
+          </a:p>
+          <a:p>
+            <a:endParaRPr lang="en-US" dirty="0">
+              <a:latin typeface="Courier New" panose="02070309020205020404" pitchFamily="49" charset="0"/>
+              <a:cs typeface="Courier New" panose="02070309020205020404" pitchFamily="49" charset="0"/>
+            </a:endParaRPr>
+          </a:p>
+          <a:p>
+            <a:endParaRPr lang="en-US" dirty="0">
+              <a:latin typeface="Courier New" panose="02070309020205020404" pitchFamily="49" charset="0"/>
+              <a:cs typeface="Courier New" panose="02070309020205020404" pitchFamily="49" charset="0"/>
+            </a:endParaRPr>
+          </a:p>
+          <a:p>
+            <a:endParaRPr lang="en-US" dirty="0">
+              <a:latin typeface="Courier New" panose="02070309020205020404" pitchFamily="49" charset="0"/>
+              <a:cs typeface="Courier New" panose="02070309020205020404" pitchFamily="49" charset="0"/>
+            </a:endParaRPr>
+          </a:p>
+          <a:p>
+            <a:r>
+              <a:rPr lang="en-US" sz="900" dirty="0" err="1">
+                <a:latin typeface="Courier New" panose="02070309020205020404" pitchFamily="49" charset="0"/>
+                <a:cs typeface="Courier New" panose="02070309020205020404" pitchFamily="49" charset="0"/>
+              </a:rPr>
+              <a:t>apiVersion</a:t>
+            </a:r>
+            <a:r>
+              <a:rPr lang="en-US" sz="900" dirty="0">
+                <a:latin typeface="Courier New" panose="02070309020205020404" pitchFamily="49" charset="0"/>
+                <a:cs typeface="Courier New" panose="02070309020205020404" pitchFamily="49" charset="0"/>
+              </a:rPr>
+              <a:t>: apps/v1</a:t>
+            </a:r>
+          </a:p>
+          <a:p>
+            <a:r>
+              <a:rPr lang="en-US" sz="900" dirty="0">
+                <a:latin typeface="Courier New" panose="02070309020205020404" pitchFamily="49" charset="0"/>
+                <a:cs typeface="Courier New" panose="02070309020205020404" pitchFamily="49" charset="0"/>
+              </a:rPr>
+              <a:t>kind: Deployment</a:t>
+            </a:r>
+          </a:p>
+          <a:p>
+            <a:r>
+              <a:rPr lang="en-US" sz="900" dirty="0">
+                <a:latin typeface="Courier New" panose="02070309020205020404" pitchFamily="49" charset="0"/>
+                <a:cs typeface="Courier New" panose="02070309020205020404" pitchFamily="49" charset="0"/>
+              </a:rPr>
+              <a:t>metadata:</a:t>
+            </a:r>
+          </a:p>
+          <a:p>
+            <a:r>
+              <a:rPr lang="en-US" sz="900" dirty="0">
+                <a:latin typeface="Courier New" panose="02070309020205020404" pitchFamily="49" charset="0"/>
+                <a:cs typeface="Courier New" panose="02070309020205020404" pitchFamily="49" charset="0"/>
+              </a:rPr>
+              <a:t>  name: nginx-deployment</a:t>
+            </a:r>
+          </a:p>
+          <a:p>
+            <a:r>
+              <a:rPr lang="en-US" sz="900" dirty="0">
+                <a:latin typeface="Courier New" panose="02070309020205020404" pitchFamily="49" charset="0"/>
+                <a:cs typeface="Courier New" panose="02070309020205020404" pitchFamily="49" charset="0"/>
+              </a:rPr>
+              <a:t>spec:</a:t>
+            </a:r>
+          </a:p>
+          <a:p>
+            <a:r>
+              <a:rPr lang="en-US" sz="900" dirty="0">
+                <a:latin typeface="Courier New" panose="02070309020205020404" pitchFamily="49" charset="0"/>
+                <a:cs typeface="Courier New" panose="02070309020205020404" pitchFamily="49" charset="0"/>
+              </a:rPr>
+              <a:t>  selector:</a:t>
+            </a:r>
+          </a:p>
+          <a:p>
+            <a:r>
+              <a:rPr lang="en-US" sz="900" dirty="0">
+                <a:latin typeface="Courier New" panose="02070309020205020404" pitchFamily="49" charset="0"/>
+                <a:cs typeface="Courier New" panose="02070309020205020404" pitchFamily="49" charset="0"/>
+              </a:rPr>
+              <a:t>    </a:t>
+            </a:r>
+            <a:r>
+              <a:rPr lang="en-US" sz="900" dirty="0" err="1">
+                <a:latin typeface="Courier New" panose="02070309020205020404" pitchFamily="49" charset="0"/>
+                <a:cs typeface="Courier New" panose="02070309020205020404" pitchFamily="49" charset="0"/>
+              </a:rPr>
+              <a:t>matchLabels</a:t>
+            </a:r>
+            <a:r>
+              <a:rPr lang="en-US" sz="900" dirty="0">
+                <a:latin typeface="Courier New" panose="02070309020205020404" pitchFamily="49" charset="0"/>
+                <a:cs typeface="Courier New" panose="02070309020205020404" pitchFamily="49" charset="0"/>
+              </a:rPr>
+              <a:t>:</a:t>
+            </a:r>
+          </a:p>
+          <a:p>
+            <a:r>
+              <a:rPr lang="en-US" sz="900" dirty="0">
+                <a:latin typeface="Courier New" panose="02070309020205020404" pitchFamily="49" charset="0"/>
+                <a:cs typeface="Courier New" panose="02070309020205020404" pitchFamily="49" charset="0"/>
+              </a:rPr>
+              <a:t>      app: nginx</a:t>
+            </a:r>
+          </a:p>
+          <a:p>
+            <a:r>
+              <a:rPr lang="en-US" sz="900" dirty="0">
+                <a:latin typeface="Courier New" panose="02070309020205020404" pitchFamily="49" charset="0"/>
+                <a:cs typeface="Courier New" panose="02070309020205020404" pitchFamily="49" charset="0"/>
+              </a:rPr>
+              <a:t>  replicas: 2</a:t>
+            </a:r>
+          </a:p>
+          <a:p>
+            <a:r>
+              <a:rPr lang="en-US" sz="900" dirty="0">
+                <a:latin typeface="Courier New" panose="02070309020205020404" pitchFamily="49" charset="0"/>
+                <a:cs typeface="Courier New" panose="02070309020205020404" pitchFamily="49" charset="0"/>
+              </a:rPr>
+              <a:t>  template:</a:t>
+            </a:r>
+          </a:p>
+          <a:p>
+            <a:r>
+              <a:rPr lang="en-US" sz="900" dirty="0">
+                <a:latin typeface="Courier New" panose="02070309020205020404" pitchFamily="49" charset="0"/>
+                <a:cs typeface="Courier New" panose="02070309020205020404" pitchFamily="49" charset="0"/>
+              </a:rPr>
+              <a:t>    metadata:</a:t>
+            </a:r>
+          </a:p>
+          <a:p>
+            <a:r>
+              <a:rPr lang="en-US" sz="900" dirty="0">
+                <a:latin typeface="Courier New" panose="02070309020205020404" pitchFamily="49" charset="0"/>
+                <a:cs typeface="Courier New" panose="02070309020205020404" pitchFamily="49" charset="0"/>
+              </a:rPr>
+              <a:t>      labels:</a:t>
+            </a:r>
+          </a:p>
+          <a:p>
+            <a:r>
+              <a:rPr lang="en-US" sz="900" dirty="0">
+                <a:latin typeface="Courier New" panose="02070309020205020404" pitchFamily="49" charset="0"/>
+                <a:cs typeface="Courier New" panose="02070309020205020404" pitchFamily="49" charset="0"/>
+              </a:rPr>
+              <a:t>        app: nginx</a:t>
+            </a:r>
+          </a:p>
+          <a:p>
+            <a:r>
+              <a:rPr lang="en-US" sz="900" dirty="0">
+                <a:latin typeface="Courier New" panose="02070309020205020404" pitchFamily="49" charset="0"/>
+                <a:cs typeface="Courier New" panose="02070309020205020404" pitchFamily="49" charset="0"/>
+              </a:rPr>
+              <a:t>    spec:</a:t>
+            </a:r>
+          </a:p>
+          <a:p>
+            <a:r>
+              <a:rPr lang="en-US" sz="900" dirty="0">
+                <a:latin typeface="Courier New" panose="02070309020205020404" pitchFamily="49" charset="0"/>
+                <a:cs typeface="Courier New" panose="02070309020205020404" pitchFamily="49" charset="0"/>
+              </a:rPr>
+              <a:t>      containers:</a:t>
+            </a:r>
+          </a:p>
+          <a:p>
+            <a:r>
+              <a:rPr lang="en-US" sz="900" dirty="0">
+                <a:latin typeface="Courier New" panose="02070309020205020404" pitchFamily="49" charset="0"/>
+                <a:cs typeface="Courier New" panose="02070309020205020404" pitchFamily="49" charset="0"/>
+              </a:rPr>
+              <a:t>      - name: nginx</a:t>
+            </a:r>
+          </a:p>
+          <a:p>
+            <a:r>
+              <a:rPr lang="en-US" sz="900" dirty="0">
+                <a:latin typeface="Courier New" panose="02070309020205020404" pitchFamily="49" charset="0"/>
+                <a:cs typeface="Courier New" panose="02070309020205020404" pitchFamily="49" charset="0"/>
+              </a:rPr>
+              <a:t>        image: </a:t>
+            </a:r>
+            <a:r>
+              <a:rPr lang="en-US" sz="900" dirty="0" err="1">
+                <a:latin typeface="Courier New" panose="02070309020205020404" pitchFamily="49" charset="0"/>
+                <a:cs typeface="Courier New" panose="02070309020205020404" pitchFamily="49" charset="0"/>
+              </a:rPr>
+              <a:t>nginx:latest</a:t>
+            </a:r>
+            <a:endParaRPr lang="en-US" sz="900" dirty="0">
+              <a:latin typeface="Courier New" panose="02070309020205020404" pitchFamily="49" charset="0"/>
+              <a:cs typeface="Courier New" panose="02070309020205020404" pitchFamily="49" charset="0"/>
+            </a:endParaRPr>
+          </a:p>
+          <a:p>
+            <a:r>
+              <a:rPr lang="en-US" sz="900" dirty="0">
+                <a:latin typeface="Courier New" panose="02070309020205020404" pitchFamily="49" charset="0"/>
+                <a:cs typeface="Courier New" panose="02070309020205020404" pitchFamily="49" charset="0"/>
+              </a:rPr>
+              <a:t>        ports:</a:t>
+            </a:r>
+          </a:p>
+          <a:p>
+            <a:r>
+              <a:rPr lang="en-US" sz="900" dirty="0">
+                <a:latin typeface="Courier New" panose="02070309020205020404" pitchFamily="49" charset="0"/>
+                <a:cs typeface="Courier New" panose="02070309020205020404" pitchFamily="49" charset="0"/>
+              </a:rPr>
+              <a:t>        - </a:t>
+            </a:r>
+            <a:r>
+              <a:rPr lang="en-US" sz="900" dirty="0" err="1">
+                <a:latin typeface="Courier New" panose="02070309020205020404" pitchFamily="49" charset="0"/>
+                <a:cs typeface="Courier New" panose="02070309020205020404" pitchFamily="49" charset="0"/>
+              </a:rPr>
+              <a:t>containerPort</a:t>
+            </a:r>
+            <a:r>
+              <a:rPr lang="en-US" sz="900" dirty="0">
+                <a:latin typeface="Courier New" panose="02070309020205020404" pitchFamily="49" charset="0"/>
+                <a:cs typeface="Courier New" panose="02070309020205020404" pitchFamily="49" charset="0"/>
+              </a:rPr>
+              <a:t>: 80</a:t>
+            </a:r>
+          </a:p>
+          <a:p>
+            <a:endParaRPr lang="en-US" dirty="0"/>
+          </a:p>
+          <a:p>
+            <a:endParaRPr lang="en-US" dirty="0"/>
+          </a:p>
+          <a:p>
+            <a:endParaRPr lang="en-US" dirty="0"/>
+          </a:p>
+          <a:p>
+            <a:endParaRPr lang="en-US" dirty="0"/>
+          </a:p>
+          <a:p>
+            <a:endParaRPr lang="en-US" dirty="0"/>
+          </a:p>
+          <a:p>
+            <a:endParaRPr lang="en-US" dirty="0"/>
+          </a:p>
+          <a:p>
             <a:endParaRPr lang="it-IT" dirty="0"/>
           </a:p>
-          <a:p>
-            <a:endParaRPr lang="it-IT" dirty="0"/>
-          </a:p>
-          <a:p>
-            <a:endParaRPr lang="it-IT" dirty="0"/>
-          </a:p>
-          <a:p>
-            <a:endParaRPr lang="it-IT" dirty="0"/>
-          </a:p>
-        </p:txBody>
-      </p:sp>
+        </p:txBody>
+      </p:sp>
+      <p:pic>
+        <p:nvPicPr>
+          <p:cNvPr id="3" name="Immagine 2">
+            <a:extLst>
+              <a:ext uri="{FF2B5EF4-FFF2-40B4-BE49-F238E27FC236}">
+                <a16:creationId xmlns:a16="http://schemas.microsoft.com/office/drawing/2014/main" id="{02DE016B-F7D1-C59C-E4A0-DE2BD50A63FF}"/>
+              </a:ext>
+            </a:extLst>
+          </p:cNvPr>
+          <p:cNvPicPr>
+            <a:picLocks noChangeAspect="1"/>
+          </p:cNvPicPr>
+          <p:nvPr/>
+        </p:nvPicPr>
+        <p:blipFill>
+          <a:blip r:embed="rId2"/>
+          <a:stretch>
+            <a:fillRect/>
+          </a:stretch>
+        </p:blipFill>
+        <p:spPr>
+          <a:xfrm>
+            <a:off x="1159029" y="3429000"/>
+            <a:ext cx="5877745" cy="533474"/>
+          </a:xfrm>
+          <a:prstGeom prst="rect">
+            <a:avLst/>
+          </a:prstGeom>
+        </p:spPr>
+      </p:pic>
+      <p:pic>
+        <p:nvPicPr>
+          <p:cNvPr id="5" name="Immagine 4">
+            <a:extLst>
+              <a:ext uri="{FF2B5EF4-FFF2-40B4-BE49-F238E27FC236}">
+                <a16:creationId xmlns:a16="http://schemas.microsoft.com/office/drawing/2014/main" id="{64DFAB14-5028-AF94-B4E7-489B04D090F5}"/>
+              </a:ext>
+            </a:extLst>
+          </p:cNvPr>
+          <p:cNvPicPr>
+            <a:picLocks noChangeAspect="1"/>
+          </p:cNvPicPr>
+          <p:nvPr/>
+        </p:nvPicPr>
+        <p:blipFill>
+          <a:blip r:embed="rId3"/>
+          <a:stretch>
+            <a:fillRect/>
+          </a:stretch>
+        </p:blipFill>
+        <p:spPr>
+          <a:xfrm>
+            <a:off x="1159029" y="2845230"/>
+            <a:ext cx="6706536" cy="543001"/>
+          </a:xfrm>
+          <a:prstGeom prst="rect">
+            <a:avLst/>
+          </a:prstGeom>
+        </p:spPr>
+      </p:pic>
     </p:spTree>
     <p:extLst>
       <p:ext uri="{BB962C8B-B14F-4D97-AF65-F5344CB8AC3E}">
-        <p14:creationId xmlns:p14="http://schemas.microsoft.com/office/powerpoint/2010/main" val="2811332597"/>
+        <p14:creationId xmlns:p14="http://schemas.microsoft.com/office/powerpoint/2010/main" val="3690179719"/>
       </p:ext>
     </p:extLst>
   </p:cSld>
@@ -9941,8 +10039,8 @@
         </p:nvSpPr>
         <p:spPr>
           <a:xfrm>
-            <a:off x="838200" y="365125"/>
-            <a:ext cx="10515600" cy="483961"/>
+            <a:off x="838199" y="365125"/>
+            <a:ext cx="11576902" cy="483961"/>
           </a:xfrm>
         </p:spPr>
         <p:txBody>
@@ -9952,8 +10050,12 @@
           <a:lstStyle/>
           <a:p>
             <a:r>
+              <a:rPr lang="it-IT" dirty="0" err="1"/>
+              <a:t>Walkthrough</a:t>
+            </a:r>
+            <a:r>
               <a:rPr lang="it-IT" dirty="0"/>
-              <a:t>Esempio guidato</a:t>
+              <a:t>(4/4)</a:t>
             </a:r>
           </a:p>
         </p:txBody>
@@ -10014,6 +10116,411 @@
       </p:sp>
       <p:sp>
         <p:nvSpPr>
+          <p:cNvPr id="6" name="CasellaDiTesto 5">
+            <a:extLst>
+              <a:ext uri="{FF2B5EF4-FFF2-40B4-BE49-F238E27FC236}">
+                <a16:creationId xmlns:a16="http://schemas.microsoft.com/office/drawing/2014/main" id="{3E5C30E1-47BA-24AD-7CEB-B2751A0AC5F9}"/>
+              </a:ext>
+            </a:extLst>
+          </p:cNvPr>
+          <p:cNvSpPr txBox="1"/>
+          <p:nvPr/>
+        </p:nvSpPr>
+        <p:spPr>
+          <a:xfrm>
+            <a:off x="1041662" y="1383086"/>
+            <a:ext cx="11055665" cy="4216539"/>
+          </a:xfrm>
+          <a:prstGeom prst="rect">
+            <a:avLst/>
+          </a:prstGeom>
+          <a:noFill/>
+        </p:spPr>
+        <p:txBody>
+          <a:bodyPr wrap="square">
+            <a:spAutoFit/>
+          </a:bodyPr>
+          <a:lstStyle/>
+          <a:p>
+            <a:r>
+              <a:rPr lang="en-US" dirty="0"/>
+              <a:t>Dal docker engine:</a:t>
+            </a:r>
+          </a:p>
+          <a:p>
+            <a:r>
+              <a:rPr lang="it-IT" sz="1600" dirty="0" err="1">
+                <a:latin typeface="Courier New" panose="02070309020205020404" pitchFamily="49" charset="0"/>
+                <a:cs typeface="Courier New" panose="02070309020205020404" pitchFamily="49" charset="0"/>
+              </a:rPr>
+              <a:t>docker</a:t>
+            </a:r>
+            <a:r>
+              <a:rPr lang="it-IT" sz="1600" dirty="0">
+                <a:latin typeface="Courier New" panose="02070309020205020404" pitchFamily="49" charset="0"/>
+                <a:cs typeface="Courier New" panose="02070309020205020404" pitchFamily="49" charset="0"/>
+              </a:rPr>
+              <a:t> </a:t>
+            </a:r>
+            <a:r>
+              <a:rPr lang="it-IT" sz="1600" dirty="0" err="1">
+                <a:latin typeface="Courier New" panose="02070309020205020404" pitchFamily="49" charset="0"/>
+                <a:cs typeface="Courier New" panose="02070309020205020404" pitchFamily="49" charset="0"/>
+              </a:rPr>
+              <a:t>exec</a:t>
+            </a:r>
+            <a:r>
+              <a:rPr lang="it-IT" sz="1600" dirty="0">
+                <a:latin typeface="Courier New" panose="02070309020205020404" pitchFamily="49" charset="0"/>
+                <a:cs typeface="Courier New" panose="02070309020205020404" pitchFamily="49" charset="0"/>
+              </a:rPr>
+              <a:t> k0s </a:t>
+            </a:r>
+            <a:r>
+              <a:rPr lang="it-IT" sz="1600" dirty="0" err="1">
+                <a:latin typeface="Courier New" panose="02070309020205020404" pitchFamily="49" charset="0"/>
+                <a:cs typeface="Courier New" panose="02070309020205020404" pitchFamily="49" charset="0"/>
+              </a:rPr>
+              <a:t>kubectl</a:t>
+            </a:r>
+            <a:r>
+              <a:rPr lang="it-IT" sz="1600" dirty="0">
+                <a:latin typeface="Courier New" panose="02070309020205020404" pitchFamily="49" charset="0"/>
+                <a:cs typeface="Courier New" panose="02070309020205020404" pitchFamily="49" charset="0"/>
+              </a:rPr>
+              <a:t> </a:t>
+            </a:r>
+            <a:r>
+              <a:rPr lang="it-IT" sz="1600" dirty="0" err="1">
+                <a:latin typeface="Courier New" panose="02070309020205020404" pitchFamily="49" charset="0"/>
+                <a:cs typeface="Courier New" panose="02070309020205020404" pitchFamily="49" charset="0"/>
+              </a:rPr>
+              <a:t>expose</a:t>
+            </a:r>
+            <a:r>
+              <a:rPr lang="it-IT" sz="1600" dirty="0">
+                <a:latin typeface="Courier New" panose="02070309020205020404" pitchFamily="49" charset="0"/>
+                <a:cs typeface="Courier New" panose="02070309020205020404" pitchFamily="49" charset="0"/>
+              </a:rPr>
+              <a:t> deployment </a:t>
+            </a:r>
+            <a:r>
+              <a:rPr lang="it-IT" sz="1600" dirty="0" err="1">
+                <a:latin typeface="Courier New" panose="02070309020205020404" pitchFamily="49" charset="0"/>
+                <a:cs typeface="Courier New" panose="02070309020205020404" pitchFamily="49" charset="0"/>
+              </a:rPr>
+              <a:t>nginx</a:t>
+            </a:r>
+            <a:r>
+              <a:rPr lang="it-IT" sz="1600" dirty="0">
+                <a:latin typeface="Courier New" panose="02070309020205020404" pitchFamily="49" charset="0"/>
+                <a:cs typeface="Courier New" panose="02070309020205020404" pitchFamily="49" charset="0"/>
+              </a:rPr>
+              <a:t>-deployment --</a:t>
+            </a:r>
+            <a:r>
+              <a:rPr lang="it-IT" sz="1600" dirty="0" err="1">
+                <a:latin typeface="Courier New" panose="02070309020205020404" pitchFamily="49" charset="0"/>
+                <a:cs typeface="Courier New" panose="02070309020205020404" pitchFamily="49" charset="0"/>
+              </a:rPr>
+              <a:t>type</a:t>
+            </a:r>
+            <a:r>
+              <a:rPr lang="it-IT" sz="1600" dirty="0">
+                <a:latin typeface="Courier New" panose="02070309020205020404" pitchFamily="49" charset="0"/>
+                <a:cs typeface="Courier New" panose="02070309020205020404" pitchFamily="49" charset="0"/>
+              </a:rPr>
+              <a:t>=</a:t>
+            </a:r>
+            <a:r>
+              <a:rPr lang="it-IT" sz="1600" dirty="0" err="1">
+                <a:latin typeface="Courier New" panose="02070309020205020404" pitchFamily="49" charset="0"/>
+                <a:cs typeface="Courier New" panose="02070309020205020404" pitchFamily="49" charset="0"/>
+              </a:rPr>
+              <a:t>NodePort</a:t>
+            </a:r>
+            <a:r>
+              <a:rPr lang="it-IT" sz="1600" dirty="0">
+                <a:latin typeface="Courier New" panose="02070309020205020404" pitchFamily="49" charset="0"/>
+                <a:cs typeface="Courier New" panose="02070309020205020404" pitchFamily="49" charset="0"/>
+              </a:rPr>
+              <a:t> --port=80</a:t>
+            </a:r>
+          </a:p>
+          <a:p>
+            <a:endParaRPr lang="it-IT" dirty="0"/>
+          </a:p>
+          <a:p>
+            <a:r>
+              <a:rPr lang="it-IT" dirty="0"/>
+              <a:t>Usando anche l'opzione --target-port impostiamo la porta da esporre fuori dal cluster, altrimenti è scelta da </a:t>
+            </a:r>
+            <a:r>
+              <a:rPr lang="it-IT" dirty="0" err="1"/>
+              <a:t>Kubernetes</a:t>
+            </a:r>
+            <a:r>
+              <a:rPr lang="it-IT" dirty="0"/>
+              <a:t>.</a:t>
+            </a:r>
+          </a:p>
+          <a:p>
+            <a:endParaRPr lang="it-IT" dirty="0"/>
+          </a:p>
+          <a:p>
+            <a:r>
+              <a:rPr lang="en-US" dirty="0">
+                <a:latin typeface="Courier New" panose="02070309020205020404" pitchFamily="49" charset="0"/>
+                <a:cs typeface="Courier New" panose="02070309020205020404" pitchFamily="49" charset="0"/>
+              </a:rPr>
+              <a:t>docker exec k0s </a:t>
+            </a:r>
+            <a:r>
+              <a:rPr lang="en-US" dirty="0" err="1">
+                <a:latin typeface="Courier New" panose="02070309020205020404" pitchFamily="49" charset="0"/>
+                <a:cs typeface="Courier New" panose="02070309020205020404" pitchFamily="49" charset="0"/>
+              </a:rPr>
+              <a:t>kubectl</a:t>
+            </a:r>
+            <a:r>
+              <a:rPr lang="en-US" dirty="0">
+                <a:latin typeface="Courier New" panose="02070309020205020404" pitchFamily="49" charset="0"/>
+                <a:cs typeface="Courier New" panose="02070309020205020404" pitchFamily="49" charset="0"/>
+              </a:rPr>
+              <a:t> get services</a:t>
+            </a:r>
+            <a:endParaRPr lang="it-IT" dirty="0">
+              <a:latin typeface="Courier New" panose="02070309020205020404" pitchFamily="49" charset="0"/>
+              <a:cs typeface="Courier New" panose="02070309020205020404" pitchFamily="49" charset="0"/>
+            </a:endParaRPr>
+          </a:p>
+          <a:p>
+            <a:r>
+              <a:rPr lang="it-IT" dirty="0" err="1">
+                <a:latin typeface="Courier New" panose="02070309020205020404" pitchFamily="49" charset="0"/>
+                <a:cs typeface="Courier New" panose="02070309020205020404" pitchFamily="49" charset="0"/>
+              </a:rPr>
+              <a:t>curl</a:t>
+            </a:r>
+            <a:r>
+              <a:rPr lang="it-IT" dirty="0">
+                <a:latin typeface="Courier New" panose="02070309020205020404" pitchFamily="49" charset="0"/>
+                <a:cs typeface="Courier New" panose="02070309020205020404" pitchFamily="49" charset="0"/>
+              </a:rPr>
+              <a:t> &lt;</a:t>
+            </a:r>
+            <a:r>
+              <a:rPr lang="it-IT" dirty="0" err="1">
+                <a:latin typeface="Courier New" panose="02070309020205020404" pitchFamily="49" charset="0"/>
+                <a:cs typeface="Courier New" panose="02070309020205020404" pitchFamily="49" charset="0"/>
+              </a:rPr>
+              <a:t>Ipcontroller</a:t>
+            </a:r>
+            <a:r>
+              <a:rPr lang="it-IT" dirty="0">
+                <a:latin typeface="Courier New" panose="02070309020205020404" pitchFamily="49" charset="0"/>
+                <a:cs typeface="Courier New" panose="02070309020205020404" pitchFamily="49" charset="0"/>
+              </a:rPr>
+              <a:t>&gt;:&lt;</a:t>
+            </a:r>
+            <a:r>
+              <a:rPr lang="it-IT" dirty="0" err="1">
+                <a:latin typeface="Courier New" panose="02070309020205020404" pitchFamily="49" charset="0"/>
+                <a:cs typeface="Courier New" panose="02070309020205020404" pitchFamily="49" charset="0"/>
+              </a:rPr>
+              <a:t>portaEspostaDalServizio</a:t>
+            </a:r>
+            <a:r>
+              <a:rPr lang="it-IT" dirty="0">
+                <a:latin typeface="Courier New" panose="02070309020205020404" pitchFamily="49" charset="0"/>
+                <a:cs typeface="Courier New" panose="02070309020205020404" pitchFamily="49" charset="0"/>
+              </a:rPr>
+              <a:t>&gt;</a:t>
+            </a:r>
+          </a:p>
+          <a:p>
+            <a:r>
+              <a:rPr lang="it-IT" dirty="0" err="1">
+                <a:latin typeface="Courier New" panose="02070309020205020404" pitchFamily="49" charset="0"/>
+                <a:cs typeface="Courier New" panose="02070309020205020404" pitchFamily="49" charset="0"/>
+              </a:rPr>
+              <a:t>curl</a:t>
+            </a:r>
+            <a:r>
+              <a:rPr lang="it-IT" dirty="0">
+                <a:latin typeface="Courier New" panose="02070309020205020404" pitchFamily="49" charset="0"/>
+                <a:cs typeface="Courier New" panose="02070309020205020404" pitchFamily="49" charset="0"/>
+              </a:rPr>
+              <a:t> 172.17.0.20:31819 </a:t>
+            </a:r>
+          </a:p>
+          <a:p>
+            <a:endParaRPr lang="it-IT" dirty="0">
+              <a:latin typeface="Courier New" panose="02070309020205020404" pitchFamily="49" charset="0"/>
+              <a:cs typeface="Courier New" panose="02070309020205020404" pitchFamily="49" charset="0"/>
+            </a:endParaRPr>
+          </a:p>
+          <a:p>
+            <a:r>
+              <a:rPr lang="it-IT" dirty="0"/>
+              <a:t>Verificare che sia visualizzata la pagina di default di </a:t>
+            </a:r>
+            <a:r>
+              <a:rPr lang="it-IT" dirty="0" err="1"/>
+              <a:t>Nginx</a:t>
+            </a:r>
+            <a:r>
+              <a:rPr lang="it-IT" dirty="0"/>
+              <a:t>.</a:t>
+            </a:r>
+          </a:p>
+          <a:p>
+            <a:r>
+              <a:rPr lang="it-IT" dirty="0"/>
+              <a:t>Ci sono diverse alternative per pubblicare il servizio con </a:t>
+            </a:r>
+            <a:r>
+              <a:rPr lang="it-IT" dirty="0" err="1"/>
+              <a:t>Kubernetes</a:t>
+            </a:r>
+            <a:r>
+              <a:rPr lang="it-IT"/>
+              <a:t>.</a:t>
+            </a:r>
+            <a:endParaRPr lang="it-IT" dirty="0"/>
+          </a:p>
+          <a:p>
+            <a:endParaRPr lang="it-IT" dirty="0"/>
+          </a:p>
+          <a:p>
+            <a:endParaRPr lang="it-IT" dirty="0"/>
+          </a:p>
+          <a:p>
+            <a:endParaRPr lang="it-IT" dirty="0"/>
+          </a:p>
+        </p:txBody>
+      </p:sp>
+    </p:spTree>
+    <p:extLst>
+      <p:ext uri="{BB962C8B-B14F-4D97-AF65-F5344CB8AC3E}">
+        <p14:creationId xmlns:p14="http://schemas.microsoft.com/office/powerpoint/2010/main" val="2811332597"/>
+      </p:ext>
+    </p:extLst>
+  </p:cSld>
+  <p:clrMapOvr>
+    <a:masterClrMapping/>
+  </p:clrMapOvr>
+</p:sld>
+</file>
+
+<file path=ppt/slides/slide21.xml><?xml version="1.0" encoding="utf-8"?>
+<p:sld xmlns:a="http://schemas.openxmlformats.org/drawingml/2006/main" xmlns:r="http://schemas.openxmlformats.org/officeDocument/2006/relationships" xmlns:p="http://schemas.openxmlformats.org/presentationml/2006/main">
+  <p:cSld>
+    <p:spTree>
+      <p:nvGrpSpPr>
+        <p:cNvPr id="1" name=""/>
+        <p:cNvGrpSpPr/>
+        <p:nvPr/>
+      </p:nvGrpSpPr>
+      <p:grpSpPr>
+        <a:xfrm>
+          <a:off x="0" y="0"/>
+          <a:ext cx="0" cy="0"/>
+          <a:chOff x="0" y="0"/>
+          <a:chExt cx="0" cy="0"/>
+        </a:xfrm>
+      </p:grpSpPr>
+      <p:sp>
+        <p:nvSpPr>
+          <p:cNvPr id="2" name="Titolo 1">
+            <a:extLst>
+              <a:ext uri="{FF2B5EF4-FFF2-40B4-BE49-F238E27FC236}">
+                <a16:creationId xmlns:a16="http://schemas.microsoft.com/office/drawing/2014/main" id="{69496913-E27E-0E18-C61E-96660AFB142B}"/>
+              </a:ext>
+            </a:extLst>
+          </p:cNvPr>
+          <p:cNvSpPr>
+            <a:spLocks noGrp="1"/>
+          </p:cNvSpPr>
+          <p:nvPr>
+            <p:ph type="title"/>
+          </p:nvPr>
+        </p:nvSpPr>
+        <p:spPr>
+          <a:xfrm>
+            <a:off x="838200" y="365125"/>
+            <a:ext cx="10515600" cy="483961"/>
+          </a:xfrm>
+        </p:spPr>
+        <p:txBody>
+          <a:bodyPr>
+            <a:normAutofit fontScale="90000"/>
+          </a:bodyPr>
+          <a:lstStyle/>
+          <a:p>
+            <a:r>
+              <a:rPr lang="it-IT" dirty="0"/>
+              <a:t>Esempio guidato</a:t>
+            </a:r>
+          </a:p>
+        </p:txBody>
+      </p:sp>
+      <p:sp>
+        <p:nvSpPr>
+          <p:cNvPr id="4" name="Titolo 1">
+            <a:extLst>
+              <a:ext uri="{FF2B5EF4-FFF2-40B4-BE49-F238E27FC236}">
+                <a16:creationId xmlns:a16="http://schemas.microsoft.com/office/drawing/2014/main" id="{1BCFC0DC-3E1F-31D5-1A60-DBF90D003AA1}"/>
+              </a:ext>
+            </a:extLst>
+          </p:cNvPr>
+          <p:cNvSpPr txBox="1">
+            <a:spLocks/>
+          </p:cNvSpPr>
+          <p:nvPr/>
+        </p:nvSpPr>
+        <p:spPr>
+          <a:xfrm rot="10800000">
+            <a:off x="94673" y="482744"/>
+            <a:ext cx="662709" cy="5892511"/>
+          </a:xfrm>
+          <a:prstGeom prst="rect">
+            <a:avLst/>
+          </a:prstGeom>
+        </p:spPr>
+        <p:txBody>
+          <a:bodyPr vert="vert" lIns="91440" tIns="45720" rIns="91440" bIns="45720" rtlCol="0" anchor="ctr">
+            <a:normAutofit fontScale="47500" lnSpcReduction="20000"/>
+          </a:bodyPr>
+          <a:lstStyle>
+            <a:lvl1pPr algn="l" defTabSz="914400" rtl="0" eaLnBrk="1" latinLnBrk="0" hangingPunct="1">
+              <a:lnSpc>
+                <a:spcPct val="90000"/>
+              </a:lnSpc>
+              <a:spcBef>
+                <a:spcPct val="0"/>
+              </a:spcBef>
+              <a:buNone/>
+              <a:defRPr sz="4400" kern="1200">
+                <a:solidFill>
+                  <a:schemeClr val="tx1"/>
+                </a:solidFill>
+                <a:latin typeface="+mj-lt"/>
+                <a:ea typeface="+mj-ea"/>
+                <a:cs typeface="+mj-cs"/>
+              </a:defRPr>
+            </a:lvl1pPr>
+          </a:lstStyle>
+          <a:p>
+            <a:r>
+              <a:rPr lang="it-IT" dirty="0"/>
+              <a:t>Configurazione cluster e avvio di una applicazione</a:t>
+            </a:r>
+          </a:p>
+        </p:txBody>
+      </p:sp>
+      <p:sp>
+        <p:nvSpPr>
           <p:cNvPr id="8" name="Segnaposto contenuto 2">
             <a:extLst>
               <a:ext uri="{FF2B5EF4-FFF2-40B4-BE49-F238E27FC236}">
@@ -10111,7 +10618,7 @@
 </p:sld>
 </file>
 
-<file path=ppt/slides/slide21.xml><?xml version="1.0" encoding="utf-8"?>
+<file path=ppt/slides/slide22.xml><?xml version="1.0" encoding="utf-8"?>
 <p:sld xmlns:a="http://schemas.openxmlformats.org/drawingml/2006/main" xmlns:r="http://schemas.openxmlformats.org/officeDocument/2006/relationships" xmlns:p="http://schemas.openxmlformats.org/presentationml/2006/main">
   <p:cSld>
     <p:spTree>
@@ -10657,7 +11164,7 @@
                 <a:latin typeface="Calibri (corpo)"/>
                 <a:cs typeface="Courier New" panose="02070309020205020404" pitchFamily="49" charset="0"/>
               </a:rPr>
-              <a:t>Deployment: assicura che ci sia in esecuzione il numero di repliche in esecuzione richiesto e che il rilascio di una applicazione avvenga in modo graduale a una nuova release (politiche di Rolling Update e </a:t>
+              <a:t>Deployment: assicura che ci sia in esecuzione il numero di repliche richiesto e che il rilascio di una applicazione avvenga in modo graduale a una nuova release (politiche di Rolling Update e </a:t>
             </a:r>
             <a:r>
               <a:rPr lang="it-IT" dirty="0" err="1">
@@ -10680,7 +11187,7 @@
                 <a:latin typeface="Calibri (corpo)"/>
                 <a:cs typeface="Courier New" panose="02070309020205020404" pitchFamily="49" charset="0"/>
               </a:rPr>
-              <a:t>Service: servizio di load balancing che attiva </a:t>
+              <a:t>Service: fornisce il deployment all'esterno del cluster  e solitamente il servizio di load balancing che attiva </a:t>
             </a:r>
             <a:r>
               <a:rPr lang="it-IT" dirty="0" err="1">
@@ -12684,7 +13191,7 @@
           <a:p>
             <a:r>
               <a:rPr lang="it-IT" dirty="0"/>
-              <a:t>lo scheduling dei </a:t>
+              <a:t>Lo scheduling dei </a:t>
             </a:r>
             <a:r>
               <a:rPr lang="it-IT" dirty="0" err="1"/>
